--- a/azure-load-testing-trial/images/figures.pptx
+++ b/azure-load-testing-trial/images/figures.pptx
@@ -6,6 +6,15 @@
   </p:sldMasterIdLst>
   <p:sldIdLst>
     <p:sldId id="256" r:id="rId2"/>
+    <p:sldId id="257" r:id="rId3"/>
+    <p:sldId id="258" r:id="rId4"/>
+    <p:sldId id="259" r:id="rId5"/>
+    <p:sldId id="260" r:id="rId6"/>
+    <p:sldId id="261" r:id="rId7"/>
+    <p:sldId id="262" r:id="rId8"/>
+    <p:sldId id="264" r:id="rId9"/>
+    <p:sldId id="263" r:id="rId10"/>
+    <p:sldId id="265" r:id="rId11"/>
   </p:sldIdLst>
   <p:sldSz cx="12192000" cy="6858000"/>
   <p:notesSz cx="6858000" cy="9144000"/>
@@ -259,7 +268,7 @@
           <a:p>
             <a:fld id="{D6E928D6-0A66-495C-9C59-2A9C39673BCD}" type="datetimeFigureOut">
               <a:rPr kumimoji="1" lang="ja-JP" altLang="en-US" smtClean="0"/>
-              <a:t>2022/5/13</a:t>
+              <a:t>2022/5/16</a:t>
             </a:fld>
             <a:endParaRPr kumimoji="1" lang="ja-JP" altLang="en-US"/>
           </a:p>
@@ -489,7 +498,7 @@
           <a:p>
             <a:fld id="{D6E928D6-0A66-495C-9C59-2A9C39673BCD}" type="datetimeFigureOut">
               <a:rPr kumimoji="1" lang="ja-JP" altLang="en-US" smtClean="0"/>
-              <a:t>2022/5/13</a:t>
+              <a:t>2022/5/16</a:t>
             </a:fld>
             <a:endParaRPr kumimoji="1" lang="ja-JP" altLang="en-US"/>
           </a:p>
@@ -729,7 +738,7 @@
           <a:p>
             <a:fld id="{D6E928D6-0A66-495C-9C59-2A9C39673BCD}" type="datetimeFigureOut">
               <a:rPr kumimoji="1" lang="ja-JP" altLang="en-US" smtClean="0"/>
-              <a:t>2022/5/13</a:t>
+              <a:t>2022/5/16</a:t>
             </a:fld>
             <a:endParaRPr kumimoji="1" lang="ja-JP" altLang="en-US"/>
           </a:p>
@@ -959,7 +968,7 @@
           <a:p>
             <a:fld id="{D6E928D6-0A66-495C-9C59-2A9C39673BCD}" type="datetimeFigureOut">
               <a:rPr kumimoji="1" lang="ja-JP" altLang="en-US" smtClean="0"/>
-              <a:t>2022/5/13</a:t>
+              <a:t>2022/5/16</a:t>
             </a:fld>
             <a:endParaRPr kumimoji="1" lang="ja-JP" altLang="en-US"/>
           </a:p>
@@ -1234,7 +1243,7 @@
           <a:p>
             <a:fld id="{D6E928D6-0A66-495C-9C59-2A9C39673BCD}" type="datetimeFigureOut">
               <a:rPr kumimoji="1" lang="ja-JP" altLang="en-US" smtClean="0"/>
-              <a:t>2022/5/13</a:t>
+              <a:t>2022/5/16</a:t>
             </a:fld>
             <a:endParaRPr kumimoji="1" lang="ja-JP" altLang="en-US"/>
           </a:p>
@@ -1563,7 +1572,7 @@
           <a:p>
             <a:fld id="{D6E928D6-0A66-495C-9C59-2A9C39673BCD}" type="datetimeFigureOut">
               <a:rPr kumimoji="1" lang="ja-JP" altLang="en-US" smtClean="0"/>
-              <a:t>2022/5/13</a:t>
+              <a:t>2022/5/16</a:t>
             </a:fld>
             <a:endParaRPr kumimoji="1" lang="ja-JP" altLang="en-US"/>
           </a:p>
@@ -2039,7 +2048,7 @@
           <a:p>
             <a:fld id="{D6E928D6-0A66-495C-9C59-2A9C39673BCD}" type="datetimeFigureOut">
               <a:rPr kumimoji="1" lang="ja-JP" altLang="en-US" smtClean="0"/>
-              <a:t>2022/5/13</a:t>
+              <a:t>2022/5/16</a:t>
             </a:fld>
             <a:endParaRPr kumimoji="1" lang="ja-JP" altLang="en-US"/>
           </a:p>
@@ -2180,7 +2189,7 @@
           <a:p>
             <a:fld id="{D6E928D6-0A66-495C-9C59-2A9C39673BCD}" type="datetimeFigureOut">
               <a:rPr kumimoji="1" lang="ja-JP" altLang="en-US" smtClean="0"/>
-              <a:t>2022/5/13</a:t>
+              <a:t>2022/5/16</a:t>
             </a:fld>
             <a:endParaRPr kumimoji="1" lang="ja-JP" altLang="en-US"/>
           </a:p>
@@ -2293,7 +2302,7 @@
           <a:p>
             <a:fld id="{D6E928D6-0A66-495C-9C59-2A9C39673BCD}" type="datetimeFigureOut">
               <a:rPr kumimoji="1" lang="ja-JP" altLang="en-US" smtClean="0"/>
-              <a:t>2022/5/13</a:t>
+              <a:t>2022/5/16</a:t>
             </a:fld>
             <a:endParaRPr kumimoji="1" lang="ja-JP" altLang="en-US"/>
           </a:p>
@@ -2636,7 +2645,7 @@
           <a:p>
             <a:fld id="{D6E928D6-0A66-495C-9C59-2A9C39673BCD}" type="datetimeFigureOut">
               <a:rPr kumimoji="1" lang="ja-JP" altLang="en-US" smtClean="0"/>
-              <a:t>2022/5/13</a:t>
+              <a:t>2022/5/16</a:t>
             </a:fld>
             <a:endParaRPr kumimoji="1" lang="ja-JP" altLang="en-US"/>
           </a:p>
@@ -2924,7 +2933,7 @@
           <a:p>
             <a:fld id="{D6E928D6-0A66-495C-9C59-2A9C39673BCD}" type="datetimeFigureOut">
               <a:rPr kumimoji="1" lang="ja-JP" altLang="en-US" smtClean="0"/>
-              <a:t>2022/5/13</a:t>
+              <a:t>2022/5/16</a:t>
             </a:fld>
             <a:endParaRPr kumimoji="1" lang="ja-JP" altLang="en-US"/>
           </a:p>
@@ -3197,7 +3206,7 @@
           <a:p>
             <a:fld id="{D6E928D6-0A66-495C-9C59-2A9C39673BCD}" type="datetimeFigureOut">
               <a:rPr kumimoji="1" lang="ja-JP" altLang="en-US" smtClean="0"/>
-              <a:t>2022/5/13</a:t>
+              <a:t>2022/5/16</a:t>
             </a:fld>
             <a:endParaRPr kumimoji="1" lang="ja-JP" altLang="en-US"/>
           </a:p>
@@ -5918,6 +5927,2741 @@
 </p:sld>
 </file>
 
+<file path=ppt/slides/slide10.xml><?xml version="1.0" encoding="utf-8"?>
+<p:sld xmlns:a="http://schemas.openxmlformats.org/drawingml/2006/main" xmlns:r="http://schemas.openxmlformats.org/officeDocument/2006/relationships" xmlns:p="http://schemas.openxmlformats.org/presentationml/2006/main">
+  <p:cSld>
+    <p:spTree>
+      <p:nvGrpSpPr>
+        <p:cNvPr id="1" name=""/>
+        <p:cNvGrpSpPr/>
+        <p:nvPr/>
+      </p:nvGrpSpPr>
+      <p:grpSpPr>
+        <a:xfrm>
+          <a:off x="0" y="0"/>
+          <a:ext cx="0" cy="0"/>
+          <a:chOff x="0" y="0"/>
+          <a:chExt cx="0" cy="0"/>
+        </a:xfrm>
+      </p:grpSpPr>
+      <p:pic>
+        <p:nvPicPr>
+          <p:cNvPr id="5" name="図 4">
+            <a:extLst>
+              <a:ext uri="{FF2B5EF4-FFF2-40B4-BE49-F238E27FC236}">
+                <a16:creationId xmlns:a16="http://schemas.microsoft.com/office/drawing/2014/main" id="{4383126E-050A-F239-E997-9659559BBDB2}"/>
+              </a:ext>
+            </a:extLst>
+          </p:cNvPr>
+          <p:cNvPicPr>
+            <a:picLocks noChangeAspect="1"/>
+          </p:cNvPicPr>
+          <p:nvPr/>
+        </p:nvPicPr>
+        <p:blipFill>
+          <a:blip r:embed="rId2"/>
+          <a:stretch>
+            <a:fillRect/>
+          </a:stretch>
+        </p:blipFill>
+        <p:spPr>
+          <a:xfrm>
+            <a:off x="737283" y="311728"/>
+            <a:ext cx="10717432" cy="6234545"/>
+          </a:xfrm>
+          <a:prstGeom prst="rect">
+            <a:avLst/>
+          </a:prstGeom>
+          <a:ln>
+            <a:noFill/>
+          </a:ln>
+          <a:effectLst>
+            <a:outerShdw blurRad="292100" dist="139700" dir="2700000" algn="tl" rotWithShape="0">
+              <a:srgbClr val="333333">
+                <a:alpha val="65000"/>
+              </a:srgbClr>
+            </a:outerShdw>
+          </a:effectLst>
+        </p:spPr>
+      </p:pic>
+      <p:sp>
+        <p:nvSpPr>
+          <p:cNvPr id="7" name="四角形: 角を丸くする 6">
+            <a:extLst>
+              <a:ext uri="{FF2B5EF4-FFF2-40B4-BE49-F238E27FC236}">
+                <a16:creationId xmlns:a16="http://schemas.microsoft.com/office/drawing/2014/main" id="{5023A59B-4EE0-E167-7422-61B6D2FAACCC}"/>
+              </a:ext>
+            </a:extLst>
+          </p:cNvPr>
+          <p:cNvSpPr/>
+          <p:nvPr/>
+        </p:nvSpPr>
+        <p:spPr>
+          <a:xfrm>
+            <a:off x="7164937" y="1010858"/>
+            <a:ext cx="1225529" cy="356509"/>
+          </a:xfrm>
+          <a:prstGeom prst="roundRect">
+            <a:avLst/>
+          </a:prstGeom>
+          <a:noFill/>
+          <a:ln w="19050">
+            <a:solidFill>
+              <a:srgbClr val="FF0000"/>
+            </a:solidFill>
+          </a:ln>
+        </p:spPr>
+        <p:style>
+          <a:lnRef idx="2">
+            <a:schemeClr val="accent1">
+              <a:shade val="50000"/>
+            </a:schemeClr>
+          </a:lnRef>
+          <a:fillRef idx="1">
+            <a:schemeClr val="accent1"/>
+          </a:fillRef>
+          <a:effectRef idx="0">
+            <a:schemeClr val="accent1"/>
+          </a:effectRef>
+          <a:fontRef idx="minor">
+            <a:schemeClr val="lt1"/>
+          </a:fontRef>
+        </p:style>
+        <p:txBody>
+          <a:bodyPr rtlCol="0" anchor="ctr"/>
+          <a:lstStyle/>
+          <a:p>
+            <a:pPr algn="ctr"/>
+            <a:endParaRPr kumimoji="1" lang="ja-JP" altLang="en-US"/>
+          </a:p>
+        </p:txBody>
+      </p:sp>
+      <p:sp>
+        <p:nvSpPr>
+          <p:cNvPr id="8" name="吹き出し: 角を丸めた四角形 7">
+            <a:extLst>
+              <a:ext uri="{FF2B5EF4-FFF2-40B4-BE49-F238E27FC236}">
+                <a16:creationId xmlns:a16="http://schemas.microsoft.com/office/drawing/2014/main" id="{2B2BDD30-F09B-2A76-FDEE-69B736CD95EA}"/>
+              </a:ext>
+            </a:extLst>
+          </p:cNvPr>
+          <p:cNvSpPr/>
+          <p:nvPr/>
+        </p:nvSpPr>
+        <p:spPr>
+          <a:xfrm>
+            <a:off x="7820034" y="231717"/>
+            <a:ext cx="1718733" cy="505999"/>
+          </a:xfrm>
+          <a:prstGeom prst="wedgeRoundRectCallout">
+            <a:avLst>
+              <a:gd name="adj1" fmla="val -30439"/>
+              <a:gd name="adj2" fmla="val 125168"/>
+              <a:gd name="adj3" fmla="val 16667"/>
+            </a:avLst>
+          </a:prstGeom>
+        </p:spPr>
+        <p:style>
+          <a:lnRef idx="1">
+            <a:schemeClr val="accent2"/>
+          </a:lnRef>
+          <a:fillRef idx="2">
+            <a:schemeClr val="accent2"/>
+          </a:fillRef>
+          <a:effectRef idx="1">
+            <a:schemeClr val="accent2"/>
+          </a:effectRef>
+          <a:fontRef idx="minor">
+            <a:schemeClr val="dk1"/>
+          </a:fontRef>
+        </p:style>
+        <p:txBody>
+          <a:bodyPr rtlCol="0" anchor="ctr"/>
+          <a:lstStyle/>
+          <a:p>
+            <a:pPr algn="ctr"/>
+            <a:r>
+              <a:rPr kumimoji="1" lang="ja-JP" altLang="en-US" sz="900" dirty="0"/>
+              <a:t>指定した全てのクライテリアを満たして</a:t>
+            </a:r>
+            <a:r>
+              <a:rPr kumimoji="1" lang="ja-JP" altLang="en-US" sz="900"/>
+              <a:t>している</a:t>
+            </a:r>
+            <a:endParaRPr kumimoji="1" lang="ja-JP" altLang="en-US" sz="900" dirty="0"/>
+          </a:p>
+        </p:txBody>
+      </p:sp>
+      <p:sp>
+        <p:nvSpPr>
+          <p:cNvPr id="10" name="四角形: 角を丸くする 9">
+            <a:extLst>
+              <a:ext uri="{FF2B5EF4-FFF2-40B4-BE49-F238E27FC236}">
+                <a16:creationId xmlns:a16="http://schemas.microsoft.com/office/drawing/2014/main" id="{16776055-3E28-1CE4-12E1-E66B01E967F1}"/>
+              </a:ext>
+            </a:extLst>
+          </p:cNvPr>
+          <p:cNvSpPr/>
+          <p:nvPr/>
+        </p:nvSpPr>
+        <p:spPr>
+          <a:xfrm>
+            <a:off x="737283" y="2221592"/>
+            <a:ext cx="9685184" cy="779841"/>
+          </a:xfrm>
+          <a:prstGeom prst="roundRect">
+            <a:avLst/>
+          </a:prstGeom>
+          <a:noFill/>
+          <a:ln w="19050">
+            <a:solidFill>
+              <a:srgbClr val="FF0000"/>
+            </a:solidFill>
+          </a:ln>
+        </p:spPr>
+        <p:style>
+          <a:lnRef idx="2">
+            <a:schemeClr val="accent1">
+              <a:shade val="50000"/>
+            </a:schemeClr>
+          </a:lnRef>
+          <a:fillRef idx="1">
+            <a:schemeClr val="accent1"/>
+          </a:fillRef>
+          <a:effectRef idx="0">
+            <a:schemeClr val="accent1"/>
+          </a:effectRef>
+          <a:fontRef idx="minor">
+            <a:schemeClr val="lt1"/>
+          </a:fontRef>
+        </p:style>
+        <p:txBody>
+          <a:bodyPr rtlCol="0" anchor="ctr"/>
+          <a:lstStyle/>
+          <a:p>
+            <a:pPr algn="ctr"/>
+            <a:endParaRPr kumimoji="1" lang="ja-JP" altLang="en-US"/>
+          </a:p>
+        </p:txBody>
+      </p:sp>
+    </p:spTree>
+    <p:extLst>
+      <p:ext uri="{BB962C8B-B14F-4D97-AF65-F5344CB8AC3E}">
+        <p14:creationId xmlns:p14="http://schemas.microsoft.com/office/powerpoint/2010/main" val="2539882792"/>
+      </p:ext>
+    </p:extLst>
+  </p:cSld>
+  <p:clrMapOvr>
+    <a:masterClrMapping/>
+  </p:clrMapOvr>
+</p:sld>
+</file>
+
+<file path=ppt/slides/slide2.xml><?xml version="1.0" encoding="utf-8"?>
+<p:sld xmlns:a="http://schemas.openxmlformats.org/drawingml/2006/main" xmlns:r="http://schemas.openxmlformats.org/officeDocument/2006/relationships" xmlns:p="http://schemas.openxmlformats.org/presentationml/2006/main">
+  <p:cSld>
+    <p:spTree>
+      <p:nvGrpSpPr>
+        <p:cNvPr id="1" name=""/>
+        <p:cNvGrpSpPr/>
+        <p:nvPr/>
+      </p:nvGrpSpPr>
+      <p:grpSpPr>
+        <a:xfrm>
+          <a:off x="0" y="0"/>
+          <a:ext cx="0" cy="0"/>
+          <a:chOff x="0" y="0"/>
+          <a:chExt cx="0" cy="0"/>
+        </a:xfrm>
+      </p:grpSpPr>
+      <p:pic>
+        <p:nvPicPr>
+          <p:cNvPr id="5" name="図 4">
+            <a:extLst>
+              <a:ext uri="{FF2B5EF4-FFF2-40B4-BE49-F238E27FC236}">
+                <a16:creationId xmlns:a16="http://schemas.microsoft.com/office/drawing/2014/main" id="{E72A548D-4DE7-F293-5CAF-556607470E07}"/>
+              </a:ext>
+            </a:extLst>
+          </p:cNvPr>
+          <p:cNvPicPr>
+            <a:picLocks noChangeAspect="1"/>
+          </p:cNvPicPr>
+          <p:nvPr/>
+        </p:nvPicPr>
+        <p:blipFill>
+          <a:blip r:embed="rId2"/>
+          <a:stretch>
+            <a:fillRect/>
+          </a:stretch>
+        </p:blipFill>
+        <p:spPr>
+          <a:xfrm>
+            <a:off x="1615585" y="301811"/>
+            <a:ext cx="6256424" cy="3472384"/>
+          </a:xfrm>
+          <a:prstGeom prst="rect">
+            <a:avLst/>
+          </a:prstGeom>
+          <a:ln>
+            <a:noFill/>
+          </a:ln>
+          <a:effectLst>
+            <a:outerShdw blurRad="292100" dist="139700" dir="2700000" algn="tl" rotWithShape="0">
+              <a:srgbClr val="333333">
+                <a:alpha val="65000"/>
+              </a:srgbClr>
+            </a:outerShdw>
+          </a:effectLst>
+        </p:spPr>
+      </p:pic>
+      <p:pic>
+        <p:nvPicPr>
+          <p:cNvPr id="3" name="図 2">
+            <a:extLst>
+              <a:ext uri="{FF2B5EF4-FFF2-40B4-BE49-F238E27FC236}">
+                <a16:creationId xmlns:a16="http://schemas.microsoft.com/office/drawing/2014/main" id="{7BE735E7-3830-3C4D-20CD-9D8D5239EF4D}"/>
+              </a:ext>
+            </a:extLst>
+          </p:cNvPr>
+          <p:cNvPicPr>
+            <a:picLocks noChangeAspect="1"/>
+          </p:cNvPicPr>
+          <p:nvPr/>
+        </p:nvPicPr>
+        <p:blipFill>
+          <a:blip r:embed="rId3"/>
+          <a:stretch>
+            <a:fillRect/>
+          </a:stretch>
+        </p:blipFill>
+        <p:spPr>
+          <a:xfrm>
+            <a:off x="2889920" y="1493420"/>
+            <a:ext cx="6412159" cy="3871161"/>
+          </a:xfrm>
+          <a:prstGeom prst="rect">
+            <a:avLst/>
+          </a:prstGeom>
+          <a:ln>
+            <a:noFill/>
+          </a:ln>
+          <a:effectLst>
+            <a:outerShdw blurRad="292100" dist="139700" dir="2700000" algn="tl" rotWithShape="0">
+              <a:srgbClr val="333333">
+                <a:alpha val="65000"/>
+              </a:srgbClr>
+            </a:outerShdw>
+          </a:effectLst>
+        </p:spPr>
+      </p:pic>
+    </p:spTree>
+    <p:extLst>
+      <p:ext uri="{BB962C8B-B14F-4D97-AF65-F5344CB8AC3E}">
+        <p14:creationId xmlns:p14="http://schemas.microsoft.com/office/powerpoint/2010/main" val="1421817198"/>
+      </p:ext>
+    </p:extLst>
+  </p:cSld>
+  <p:clrMapOvr>
+    <a:masterClrMapping/>
+  </p:clrMapOvr>
+</p:sld>
+</file>
+
+<file path=ppt/slides/slide3.xml><?xml version="1.0" encoding="utf-8"?>
+<p:sld xmlns:a="http://schemas.openxmlformats.org/drawingml/2006/main" xmlns:r="http://schemas.openxmlformats.org/officeDocument/2006/relationships" xmlns:p="http://schemas.openxmlformats.org/presentationml/2006/main">
+  <p:cSld>
+    <p:spTree>
+      <p:nvGrpSpPr>
+        <p:cNvPr id="1" name=""/>
+        <p:cNvGrpSpPr/>
+        <p:nvPr/>
+      </p:nvGrpSpPr>
+      <p:grpSpPr>
+        <a:xfrm>
+          <a:off x="0" y="0"/>
+          <a:ext cx="0" cy="0"/>
+          <a:chOff x="0" y="0"/>
+          <a:chExt cx="0" cy="0"/>
+        </a:xfrm>
+      </p:grpSpPr>
+      <p:pic>
+        <p:nvPicPr>
+          <p:cNvPr id="3" name="図 2">
+            <a:extLst>
+              <a:ext uri="{FF2B5EF4-FFF2-40B4-BE49-F238E27FC236}">
+                <a16:creationId xmlns:a16="http://schemas.microsoft.com/office/drawing/2014/main" id="{64154563-2D23-1B23-E875-744722DD0245}"/>
+              </a:ext>
+            </a:extLst>
+          </p:cNvPr>
+          <p:cNvPicPr>
+            <a:picLocks noChangeAspect="1"/>
+          </p:cNvPicPr>
+          <p:nvPr/>
+        </p:nvPicPr>
+        <p:blipFill>
+          <a:blip r:embed="rId2"/>
+          <a:stretch>
+            <a:fillRect/>
+          </a:stretch>
+        </p:blipFill>
+        <p:spPr>
+          <a:xfrm>
+            <a:off x="1855082" y="595116"/>
+            <a:ext cx="8481835" cy="5667768"/>
+          </a:xfrm>
+          <a:prstGeom prst="rect">
+            <a:avLst/>
+          </a:prstGeom>
+          <a:ln>
+            <a:noFill/>
+          </a:ln>
+          <a:effectLst>
+            <a:outerShdw blurRad="292100" dist="139700" dir="2700000" algn="tl" rotWithShape="0">
+              <a:srgbClr val="333333">
+                <a:alpha val="65000"/>
+              </a:srgbClr>
+            </a:outerShdw>
+          </a:effectLst>
+        </p:spPr>
+      </p:pic>
+    </p:spTree>
+    <p:extLst>
+      <p:ext uri="{BB962C8B-B14F-4D97-AF65-F5344CB8AC3E}">
+        <p14:creationId xmlns:p14="http://schemas.microsoft.com/office/powerpoint/2010/main" val="4133401115"/>
+      </p:ext>
+    </p:extLst>
+  </p:cSld>
+  <p:clrMapOvr>
+    <a:masterClrMapping/>
+  </p:clrMapOvr>
+</p:sld>
+</file>
+
+<file path=ppt/slides/slide4.xml><?xml version="1.0" encoding="utf-8"?>
+<p:sld xmlns:a="http://schemas.openxmlformats.org/drawingml/2006/main" xmlns:r="http://schemas.openxmlformats.org/officeDocument/2006/relationships" xmlns:p="http://schemas.openxmlformats.org/presentationml/2006/main">
+  <p:cSld>
+    <p:spTree>
+      <p:nvGrpSpPr>
+        <p:cNvPr id="1" name=""/>
+        <p:cNvGrpSpPr/>
+        <p:nvPr/>
+      </p:nvGrpSpPr>
+      <p:grpSpPr>
+        <a:xfrm>
+          <a:off x="0" y="0"/>
+          <a:ext cx="0" cy="0"/>
+          <a:chOff x="0" y="0"/>
+          <a:chExt cx="0" cy="0"/>
+        </a:xfrm>
+      </p:grpSpPr>
+      <p:pic>
+        <p:nvPicPr>
+          <p:cNvPr id="3" name="図 2">
+            <a:extLst>
+              <a:ext uri="{FF2B5EF4-FFF2-40B4-BE49-F238E27FC236}">
+                <a16:creationId xmlns:a16="http://schemas.microsoft.com/office/drawing/2014/main" id="{04FF4C54-7504-3737-97F7-94F0CB258E2B}"/>
+              </a:ext>
+            </a:extLst>
+          </p:cNvPr>
+          <p:cNvPicPr>
+            <a:picLocks noChangeAspect="1"/>
+          </p:cNvPicPr>
+          <p:nvPr/>
+        </p:nvPicPr>
+        <p:blipFill>
+          <a:blip r:embed="rId2"/>
+          <a:stretch>
+            <a:fillRect/>
+          </a:stretch>
+        </p:blipFill>
+        <p:spPr>
+          <a:xfrm>
+            <a:off x="845425" y="263847"/>
+            <a:ext cx="9160030" cy="4412835"/>
+          </a:xfrm>
+          <a:prstGeom prst="rect">
+            <a:avLst/>
+          </a:prstGeom>
+          <a:ln>
+            <a:noFill/>
+          </a:ln>
+          <a:effectLst>
+            <a:outerShdw blurRad="292100" dist="139700" dir="2700000" algn="tl" rotWithShape="0">
+              <a:srgbClr val="333333">
+                <a:alpha val="65000"/>
+              </a:srgbClr>
+            </a:outerShdw>
+          </a:effectLst>
+        </p:spPr>
+      </p:pic>
+      <p:pic>
+        <p:nvPicPr>
+          <p:cNvPr id="5" name="図 4">
+            <a:extLst>
+              <a:ext uri="{FF2B5EF4-FFF2-40B4-BE49-F238E27FC236}">
+                <a16:creationId xmlns:a16="http://schemas.microsoft.com/office/drawing/2014/main" id="{114C1C9F-3565-36DF-3B1C-058810A22BDB}"/>
+              </a:ext>
+            </a:extLst>
+          </p:cNvPr>
+          <p:cNvPicPr>
+            <a:picLocks noChangeAspect="1"/>
+          </p:cNvPicPr>
+          <p:nvPr/>
+        </p:nvPicPr>
+        <p:blipFill rotWithShape="1">
+          <a:blip r:embed="rId3"/>
+          <a:srcRect b="33391"/>
+          <a:stretch/>
+        </p:blipFill>
+        <p:spPr>
+          <a:xfrm>
+            <a:off x="2435928" y="3062467"/>
+            <a:ext cx="9160030" cy="2939322"/>
+          </a:xfrm>
+          <a:prstGeom prst="rect">
+            <a:avLst/>
+          </a:prstGeom>
+          <a:ln>
+            <a:noFill/>
+          </a:ln>
+          <a:effectLst>
+            <a:outerShdw blurRad="292100" dist="139700" dir="2700000" algn="tl" rotWithShape="0">
+              <a:srgbClr val="333333">
+                <a:alpha val="65000"/>
+              </a:srgbClr>
+            </a:outerShdw>
+          </a:effectLst>
+        </p:spPr>
+      </p:pic>
+      <p:sp>
+        <p:nvSpPr>
+          <p:cNvPr id="6" name="四角形: 角を丸くする 5">
+            <a:extLst>
+              <a:ext uri="{FF2B5EF4-FFF2-40B4-BE49-F238E27FC236}">
+                <a16:creationId xmlns:a16="http://schemas.microsoft.com/office/drawing/2014/main" id="{E694B07C-BEC2-E322-ACC8-F9D860A20D98}"/>
+              </a:ext>
+            </a:extLst>
+          </p:cNvPr>
+          <p:cNvSpPr/>
+          <p:nvPr/>
+        </p:nvSpPr>
+        <p:spPr>
+          <a:xfrm>
+            <a:off x="3319519" y="2136983"/>
+            <a:ext cx="3032120" cy="566888"/>
+          </a:xfrm>
+          <a:prstGeom prst="roundRect">
+            <a:avLst/>
+          </a:prstGeom>
+          <a:noFill/>
+          <a:ln w="19050">
+            <a:solidFill>
+              <a:srgbClr val="FF0000"/>
+            </a:solidFill>
+          </a:ln>
+        </p:spPr>
+        <p:style>
+          <a:lnRef idx="2">
+            <a:schemeClr val="accent1">
+              <a:shade val="50000"/>
+            </a:schemeClr>
+          </a:lnRef>
+          <a:fillRef idx="1">
+            <a:schemeClr val="accent1"/>
+          </a:fillRef>
+          <a:effectRef idx="0">
+            <a:schemeClr val="accent1"/>
+          </a:effectRef>
+          <a:fontRef idx="minor">
+            <a:schemeClr val="lt1"/>
+          </a:fontRef>
+        </p:style>
+        <p:txBody>
+          <a:bodyPr rtlCol="0" anchor="ctr"/>
+          <a:lstStyle/>
+          <a:p>
+            <a:pPr algn="ctr"/>
+            <a:endParaRPr kumimoji="1" lang="ja-JP" altLang="en-US"/>
+          </a:p>
+        </p:txBody>
+      </p:sp>
+      <p:sp>
+        <p:nvSpPr>
+          <p:cNvPr id="8" name="四角形: 角を丸くする 7">
+            <a:extLst>
+              <a:ext uri="{FF2B5EF4-FFF2-40B4-BE49-F238E27FC236}">
+                <a16:creationId xmlns:a16="http://schemas.microsoft.com/office/drawing/2014/main" id="{73D22EBA-65A2-64CA-C2B7-6554A105EBC4}"/>
+              </a:ext>
+            </a:extLst>
+          </p:cNvPr>
+          <p:cNvSpPr/>
+          <p:nvPr/>
+        </p:nvSpPr>
+        <p:spPr>
+          <a:xfrm>
+            <a:off x="4936925" y="4572536"/>
+            <a:ext cx="6591397" cy="682806"/>
+          </a:xfrm>
+          <a:prstGeom prst="roundRect">
+            <a:avLst/>
+          </a:prstGeom>
+          <a:noFill/>
+          <a:ln w="19050">
+            <a:solidFill>
+              <a:srgbClr val="FF0000"/>
+            </a:solidFill>
+          </a:ln>
+        </p:spPr>
+        <p:style>
+          <a:lnRef idx="2">
+            <a:schemeClr val="accent1">
+              <a:shade val="50000"/>
+            </a:schemeClr>
+          </a:lnRef>
+          <a:fillRef idx="1">
+            <a:schemeClr val="accent1"/>
+          </a:fillRef>
+          <a:effectRef idx="0">
+            <a:schemeClr val="accent1"/>
+          </a:effectRef>
+          <a:fontRef idx="minor">
+            <a:schemeClr val="lt1"/>
+          </a:fontRef>
+        </p:style>
+        <p:txBody>
+          <a:bodyPr rtlCol="0" anchor="ctr"/>
+          <a:lstStyle/>
+          <a:p>
+            <a:pPr algn="ctr"/>
+            <a:endParaRPr kumimoji="1" lang="ja-JP" altLang="en-US"/>
+          </a:p>
+        </p:txBody>
+      </p:sp>
+    </p:spTree>
+    <p:extLst>
+      <p:ext uri="{BB962C8B-B14F-4D97-AF65-F5344CB8AC3E}">
+        <p14:creationId xmlns:p14="http://schemas.microsoft.com/office/powerpoint/2010/main" val="3930009772"/>
+      </p:ext>
+    </p:extLst>
+  </p:cSld>
+  <p:clrMapOvr>
+    <a:masterClrMapping/>
+  </p:clrMapOvr>
+</p:sld>
+</file>
+
+<file path=ppt/slides/slide5.xml><?xml version="1.0" encoding="utf-8"?>
+<p:sld xmlns:a="http://schemas.openxmlformats.org/drawingml/2006/main" xmlns:r="http://schemas.openxmlformats.org/officeDocument/2006/relationships" xmlns:p="http://schemas.openxmlformats.org/presentationml/2006/main">
+  <p:cSld>
+    <p:spTree>
+      <p:nvGrpSpPr>
+        <p:cNvPr id="1" name=""/>
+        <p:cNvGrpSpPr/>
+        <p:nvPr/>
+      </p:nvGrpSpPr>
+      <p:grpSpPr>
+        <a:xfrm>
+          <a:off x="0" y="0"/>
+          <a:ext cx="0" cy="0"/>
+          <a:chOff x="0" y="0"/>
+          <a:chExt cx="0" cy="0"/>
+        </a:xfrm>
+      </p:grpSpPr>
+      <p:pic>
+        <p:nvPicPr>
+          <p:cNvPr id="3" name="図 2">
+            <a:extLst>
+              <a:ext uri="{FF2B5EF4-FFF2-40B4-BE49-F238E27FC236}">
+                <a16:creationId xmlns:a16="http://schemas.microsoft.com/office/drawing/2014/main" id="{5A020696-56C4-4F2A-81A8-480915E4BE85}"/>
+              </a:ext>
+            </a:extLst>
+          </p:cNvPr>
+          <p:cNvPicPr>
+            <a:picLocks noChangeAspect="1"/>
+          </p:cNvPicPr>
+          <p:nvPr/>
+        </p:nvPicPr>
+        <p:blipFill>
+          <a:blip r:embed="rId2"/>
+          <a:stretch>
+            <a:fillRect/>
+          </a:stretch>
+        </p:blipFill>
+        <p:spPr>
+          <a:xfrm>
+            <a:off x="554182" y="1528345"/>
+            <a:ext cx="11083636" cy="3801308"/>
+          </a:xfrm>
+          <a:prstGeom prst="rect">
+            <a:avLst/>
+          </a:prstGeom>
+          <a:ln>
+            <a:noFill/>
+          </a:ln>
+          <a:effectLst>
+            <a:outerShdw blurRad="292100" dist="139700" dir="2700000" algn="tl" rotWithShape="0">
+              <a:srgbClr val="333333">
+                <a:alpha val="65000"/>
+              </a:srgbClr>
+            </a:outerShdw>
+          </a:effectLst>
+        </p:spPr>
+      </p:pic>
+    </p:spTree>
+    <p:extLst>
+      <p:ext uri="{BB962C8B-B14F-4D97-AF65-F5344CB8AC3E}">
+        <p14:creationId xmlns:p14="http://schemas.microsoft.com/office/powerpoint/2010/main" val="3832458651"/>
+      </p:ext>
+    </p:extLst>
+  </p:cSld>
+  <p:clrMapOvr>
+    <a:masterClrMapping/>
+  </p:clrMapOvr>
+</p:sld>
+</file>
+
+<file path=ppt/slides/slide6.xml><?xml version="1.0" encoding="utf-8"?>
+<p:sld xmlns:a="http://schemas.openxmlformats.org/drawingml/2006/main" xmlns:r="http://schemas.openxmlformats.org/officeDocument/2006/relationships" xmlns:p="http://schemas.openxmlformats.org/presentationml/2006/main">
+  <p:cSld>
+    <p:spTree>
+      <p:nvGrpSpPr>
+        <p:cNvPr id="1" name=""/>
+        <p:cNvGrpSpPr/>
+        <p:nvPr/>
+      </p:nvGrpSpPr>
+      <p:grpSpPr>
+        <a:xfrm>
+          <a:off x="0" y="0"/>
+          <a:ext cx="0" cy="0"/>
+          <a:chOff x="0" y="0"/>
+          <a:chExt cx="0" cy="0"/>
+        </a:xfrm>
+      </p:grpSpPr>
+      <p:sp>
+        <p:nvSpPr>
+          <p:cNvPr id="2" name="四角形: 角を丸くする 1">
+            <a:extLst>
+              <a:ext uri="{FF2B5EF4-FFF2-40B4-BE49-F238E27FC236}">
+                <a16:creationId xmlns:a16="http://schemas.microsoft.com/office/drawing/2014/main" id="{E3B021A0-9EAF-AB77-1D11-A831D446FD1A}"/>
+              </a:ext>
+            </a:extLst>
+          </p:cNvPr>
+          <p:cNvSpPr/>
+          <p:nvPr/>
+        </p:nvSpPr>
+        <p:spPr>
+          <a:xfrm>
+            <a:off x="447725" y="598849"/>
+            <a:ext cx="5169771" cy="3228739"/>
+          </a:xfrm>
+          <a:prstGeom prst="roundRect">
+            <a:avLst>
+              <a:gd name="adj" fmla="val 4698"/>
+            </a:avLst>
+          </a:prstGeom>
+        </p:spPr>
+        <p:style>
+          <a:lnRef idx="2">
+            <a:schemeClr val="accent1"/>
+          </a:lnRef>
+          <a:fillRef idx="1">
+            <a:schemeClr val="lt1"/>
+          </a:fillRef>
+          <a:effectRef idx="0">
+            <a:schemeClr val="accent1"/>
+          </a:effectRef>
+          <a:fontRef idx="minor">
+            <a:schemeClr val="dk1"/>
+          </a:fontRef>
+        </p:style>
+        <p:txBody>
+          <a:bodyPr rtlCol="0" anchor="ctr"/>
+          <a:lstStyle/>
+          <a:p>
+            <a:pPr algn="ctr"/>
+            <a:endParaRPr kumimoji="1" lang="ja-JP" altLang="en-US" sz="1400"/>
+          </a:p>
+        </p:txBody>
+      </p:sp>
+      <p:sp>
+        <p:nvSpPr>
+          <p:cNvPr id="3" name="テキスト ボックス 2">
+            <a:extLst>
+              <a:ext uri="{FF2B5EF4-FFF2-40B4-BE49-F238E27FC236}">
+                <a16:creationId xmlns:a16="http://schemas.microsoft.com/office/drawing/2014/main" id="{A6F350F7-B68D-ECCA-D232-88FBE5098CFD}"/>
+              </a:ext>
+            </a:extLst>
+          </p:cNvPr>
+          <p:cNvSpPr txBox="1"/>
+          <p:nvPr/>
+        </p:nvSpPr>
+        <p:spPr>
+          <a:xfrm>
+            <a:off x="3916389" y="460869"/>
+            <a:ext cx="1701107" cy="307777"/>
+          </a:xfrm>
+          <a:prstGeom prst="rect">
+            <a:avLst/>
+          </a:prstGeom>
+        </p:spPr>
+        <p:style>
+          <a:lnRef idx="1">
+            <a:schemeClr val="accent1"/>
+          </a:lnRef>
+          <a:fillRef idx="2">
+            <a:schemeClr val="accent1"/>
+          </a:fillRef>
+          <a:effectRef idx="1">
+            <a:schemeClr val="accent1"/>
+          </a:effectRef>
+          <a:fontRef idx="minor">
+            <a:schemeClr val="dk1"/>
+          </a:fontRef>
+        </p:style>
+        <p:txBody>
+          <a:bodyPr wrap="none" rtlCol="0">
+            <a:spAutoFit/>
+          </a:bodyPr>
+          <a:lstStyle/>
+          <a:p>
+            <a:r>
+              <a:rPr kumimoji="1" lang="en-US" altLang="ja-JP" sz="1400" dirty="0"/>
+              <a:t>JMeter</a:t>
+            </a:r>
+            <a:r>
+              <a:rPr kumimoji="1" lang="ja-JP" altLang="en-US" sz="1400" dirty="0"/>
+              <a:t> テスト計画</a:t>
+            </a:r>
+          </a:p>
+        </p:txBody>
+      </p:sp>
+      <p:sp>
+        <p:nvSpPr>
+          <p:cNvPr id="5" name="四角形: 角を丸くする 4">
+            <a:extLst>
+              <a:ext uri="{FF2B5EF4-FFF2-40B4-BE49-F238E27FC236}">
+                <a16:creationId xmlns:a16="http://schemas.microsoft.com/office/drawing/2014/main" id="{16CA17A6-DF3C-F00F-2E76-5B5020CE4C6C}"/>
+              </a:ext>
+            </a:extLst>
+          </p:cNvPr>
+          <p:cNvSpPr/>
+          <p:nvPr/>
+        </p:nvSpPr>
+        <p:spPr>
+          <a:xfrm>
+            <a:off x="786580" y="2560747"/>
+            <a:ext cx="4608051" cy="721225"/>
+          </a:xfrm>
+          <a:prstGeom prst="roundRect">
+            <a:avLst>
+              <a:gd name="adj" fmla="val 7260"/>
+            </a:avLst>
+          </a:prstGeom>
+          <a:noFill/>
+        </p:spPr>
+        <p:style>
+          <a:lnRef idx="2">
+            <a:schemeClr val="accent1"/>
+          </a:lnRef>
+          <a:fillRef idx="1">
+            <a:schemeClr val="lt1"/>
+          </a:fillRef>
+          <a:effectRef idx="0">
+            <a:schemeClr val="accent1"/>
+          </a:effectRef>
+          <a:fontRef idx="minor">
+            <a:schemeClr val="dk1"/>
+          </a:fontRef>
+        </p:style>
+        <p:txBody>
+          <a:bodyPr rtlCol="0" anchor="ctr"/>
+          <a:lstStyle/>
+          <a:p>
+            <a:r>
+              <a:rPr kumimoji="1" lang="en-US" altLang="ja-JP" sz="1400" dirty="0" err="1"/>
+              <a:t>target_url_servername</a:t>
+            </a:r>
+            <a:endParaRPr kumimoji="1" lang="en-US" altLang="ja-JP" sz="1400" dirty="0"/>
+          </a:p>
+          <a:p>
+            <a:r>
+              <a:rPr lang="en-US" altLang="ja-JP" sz="1400" dirty="0"/>
+              <a:t>: ${__</a:t>
+            </a:r>
+            <a:r>
+              <a:rPr lang="en-US" altLang="ja-JP" sz="1400" dirty="0" err="1"/>
+              <a:t>BeanShell</a:t>
+            </a:r>
+            <a:r>
+              <a:rPr lang="en-US" altLang="ja-JP" sz="1400" dirty="0"/>
+              <a:t>( </a:t>
+            </a:r>
+            <a:r>
+              <a:rPr lang="en-US" altLang="ja-JP" sz="1400" dirty="0" err="1"/>
+              <a:t>System.getenv</a:t>
+            </a:r>
+            <a:r>
+              <a:rPr lang="en-US" altLang="ja-JP" sz="1400" dirty="0"/>
+              <a:t>("SERVERNAME") )}</a:t>
+            </a:r>
+            <a:endParaRPr kumimoji="1" lang="ja-JP" altLang="en-US" sz="1400" dirty="0"/>
+          </a:p>
+        </p:txBody>
+      </p:sp>
+      <p:sp>
+        <p:nvSpPr>
+          <p:cNvPr id="6" name="テキスト ボックス 5">
+            <a:extLst>
+              <a:ext uri="{FF2B5EF4-FFF2-40B4-BE49-F238E27FC236}">
+                <a16:creationId xmlns:a16="http://schemas.microsoft.com/office/drawing/2014/main" id="{A6C08391-0126-F062-CB65-8DD4598963DD}"/>
+              </a:ext>
+            </a:extLst>
+          </p:cNvPr>
+          <p:cNvSpPr txBox="1"/>
+          <p:nvPr/>
+        </p:nvSpPr>
+        <p:spPr>
+          <a:xfrm>
+            <a:off x="547112" y="2204855"/>
+            <a:ext cx="1620957" cy="307777"/>
+          </a:xfrm>
+          <a:prstGeom prst="rect">
+            <a:avLst/>
+          </a:prstGeom>
+          <a:noFill/>
+        </p:spPr>
+        <p:txBody>
+          <a:bodyPr wrap="none" rtlCol="0">
+            <a:spAutoFit/>
+          </a:bodyPr>
+          <a:lstStyle/>
+          <a:p>
+            <a:r>
+              <a:rPr kumimoji="1" lang="ja-JP" altLang="en-US" sz="1400" dirty="0"/>
+              <a:t>ユーザー定義変数</a:t>
+            </a:r>
+          </a:p>
+        </p:txBody>
+      </p:sp>
+      <p:sp>
+        <p:nvSpPr>
+          <p:cNvPr id="8" name="四角形: 角を丸くする 7">
+            <a:extLst>
+              <a:ext uri="{FF2B5EF4-FFF2-40B4-BE49-F238E27FC236}">
+                <a16:creationId xmlns:a16="http://schemas.microsoft.com/office/drawing/2014/main" id="{466F5EDC-5E57-8C98-7633-15B9EB592E08}"/>
+              </a:ext>
+            </a:extLst>
+          </p:cNvPr>
+          <p:cNvSpPr/>
+          <p:nvPr/>
+        </p:nvSpPr>
+        <p:spPr>
+          <a:xfrm>
+            <a:off x="786579" y="1172171"/>
+            <a:ext cx="4608051" cy="721225"/>
+          </a:xfrm>
+          <a:prstGeom prst="roundRect">
+            <a:avLst>
+              <a:gd name="adj" fmla="val 7260"/>
+            </a:avLst>
+          </a:prstGeom>
+          <a:noFill/>
+        </p:spPr>
+        <p:style>
+          <a:lnRef idx="2">
+            <a:schemeClr val="accent1"/>
+          </a:lnRef>
+          <a:fillRef idx="1">
+            <a:schemeClr val="lt1"/>
+          </a:fillRef>
+          <a:effectRef idx="0">
+            <a:schemeClr val="accent1"/>
+          </a:effectRef>
+          <a:fontRef idx="minor">
+            <a:schemeClr val="dk1"/>
+          </a:fontRef>
+        </p:style>
+        <p:txBody>
+          <a:bodyPr rtlCol="0" anchor="ctr"/>
+          <a:lstStyle/>
+          <a:p>
+            <a:r>
+              <a:rPr lang="en-US" altLang="ja-JP" sz="1400" dirty="0" err="1"/>
+              <a:t>HTTPSampler.domain</a:t>
+            </a:r>
+            <a:r>
+              <a:rPr lang="en-US" altLang="ja-JP" sz="1400" dirty="0"/>
+              <a:t> : ${</a:t>
+            </a:r>
+            <a:r>
+              <a:rPr lang="en-US" altLang="ja-JP" sz="1400" dirty="0" err="1"/>
+              <a:t>target_url_servername</a:t>
+            </a:r>
+            <a:r>
+              <a:rPr lang="en-US" altLang="ja-JP" sz="1400" dirty="0"/>
+              <a:t>}</a:t>
+            </a:r>
+            <a:endParaRPr kumimoji="1" lang="ja-JP" altLang="en-US" sz="1400" dirty="0"/>
+          </a:p>
+        </p:txBody>
+      </p:sp>
+      <p:sp>
+        <p:nvSpPr>
+          <p:cNvPr id="10" name="テキスト ボックス 9">
+            <a:extLst>
+              <a:ext uri="{FF2B5EF4-FFF2-40B4-BE49-F238E27FC236}">
+                <a16:creationId xmlns:a16="http://schemas.microsoft.com/office/drawing/2014/main" id="{40FBD68B-DFF6-3F31-AA55-83921EC36931}"/>
+              </a:ext>
+            </a:extLst>
+          </p:cNvPr>
+          <p:cNvSpPr txBox="1"/>
+          <p:nvPr/>
+        </p:nvSpPr>
+        <p:spPr>
+          <a:xfrm>
+            <a:off x="547112" y="834930"/>
+            <a:ext cx="1620957" cy="307777"/>
+          </a:xfrm>
+          <a:prstGeom prst="rect">
+            <a:avLst/>
+          </a:prstGeom>
+          <a:noFill/>
+        </p:spPr>
+        <p:txBody>
+          <a:bodyPr wrap="none" rtlCol="0">
+            <a:spAutoFit/>
+          </a:bodyPr>
+          <a:lstStyle/>
+          <a:p>
+            <a:r>
+              <a:rPr kumimoji="1" lang="ja-JP" altLang="en-US" sz="1400" dirty="0"/>
+              <a:t>テストパラメータ</a:t>
+            </a:r>
+          </a:p>
+        </p:txBody>
+      </p:sp>
+      <p:sp>
+        <p:nvSpPr>
+          <p:cNvPr id="11" name="四角形: メモ 10">
+            <a:extLst>
+              <a:ext uri="{FF2B5EF4-FFF2-40B4-BE49-F238E27FC236}">
+                <a16:creationId xmlns:a16="http://schemas.microsoft.com/office/drawing/2014/main" id="{21C5DE97-C460-96A6-97C2-BB4AED6EF411}"/>
+              </a:ext>
+            </a:extLst>
+          </p:cNvPr>
+          <p:cNvSpPr/>
+          <p:nvPr/>
+        </p:nvSpPr>
+        <p:spPr>
+          <a:xfrm>
+            <a:off x="447726" y="4201650"/>
+            <a:ext cx="2528171" cy="1900903"/>
+          </a:xfrm>
+          <a:prstGeom prst="foldedCorner">
+            <a:avLst/>
+          </a:prstGeom>
+        </p:spPr>
+        <p:style>
+          <a:lnRef idx="2">
+            <a:schemeClr val="accent1"/>
+          </a:lnRef>
+          <a:fillRef idx="1">
+            <a:schemeClr val="lt1"/>
+          </a:fillRef>
+          <a:effectRef idx="0">
+            <a:schemeClr val="accent1"/>
+          </a:effectRef>
+          <a:fontRef idx="minor">
+            <a:schemeClr val="dk1"/>
+          </a:fontRef>
+        </p:style>
+        <p:txBody>
+          <a:bodyPr rtlCol="0" anchor="ctr"/>
+          <a:lstStyle/>
+          <a:p>
+            <a:r>
+              <a:rPr kumimoji="1" lang="en-US" altLang="ja-JP" sz="1200" dirty="0"/>
+              <a:t># JMeter </a:t>
+            </a:r>
+            <a:r>
+              <a:rPr kumimoji="1" lang="ja-JP" altLang="en-US" sz="1200" dirty="0"/>
+              <a:t>起動スクリプトなど</a:t>
+            </a:r>
+            <a:endParaRPr kumimoji="1" lang="en-US" altLang="ja-JP" sz="1200" dirty="0"/>
+          </a:p>
+          <a:p>
+            <a:endParaRPr kumimoji="1" lang="en-US" altLang="ja-JP" sz="1200" dirty="0"/>
+          </a:p>
+          <a:p>
+            <a:r>
+              <a:rPr kumimoji="1" lang="en-US" altLang="ja-JP" sz="1200" dirty="0"/>
+              <a:t>SET PROTOCOL=http</a:t>
+            </a:r>
+          </a:p>
+          <a:p>
+            <a:r>
+              <a:rPr kumimoji="1" lang="en-US" altLang="ja-JP" sz="1200" dirty="0"/>
+              <a:t>SET SERVERNAME=localhost</a:t>
+            </a:r>
+          </a:p>
+          <a:p>
+            <a:r>
+              <a:rPr lang="en-US" altLang="ja-JP" sz="1200" dirty="0"/>
+              <a:t>SET PORTNUMBER=5049</a:t>
+            </a:r>
+          </a:p>
+          <a:p>
+            <a:endParaRPr lang="en-US" altLang="ja-JP" sz="1200" dirty="0"/>
+          </a:p>
+          <a:p>
+            <a:r>
+              <a:rPr kumimoji="1" lang="en-US" altLang="ja-JP" sz="1200" dirty="0"/>
+              <a:t>./bin/jmeter.bat</a:t>
+            </a:r>
+          </a:p>
+        </p:txBody>
+      </p:sp>
+      <p:sp>
+        <p:nvSpPr>
+          <p:cNvPr id="13" name="テキスト ボックス 12">
+            <a:extLst>
+              <a:ext uri="{FF2B5EF4-FFF2-40B4-BE49-F238E27FC236}">
+                <a16:creationId xmlns:a16="http://schemas.microsoft.com/office/drawing/2014/main" id="{C0D72A37-A73E-FEF4-6EE7-75DE3B6742A0}"/>
+              </a:ext>
+            </a:extLst>
+          </p:cNvPr>
+          <p:cNvSpPr txBox="1"/>
+          <p:nvPr/>
+        </p:nvSpPr>
+        <p:spPr>
+          <a:xfrm>
+            <a:off x="1153688" y="5948664"/>
+            <a:ext cx="902811" cy="307777"/>
+          </a:xfrm>
+          <a:prstGeom prst="rect">
+            <a:avLst/>
+          </a:prstGeom>
+        </p:spPr>
+        <p:style>
+          <a:lnRef idx="1">
+            <a:schemeClr val="accent1"/>
+          </a:lnRef>
+          <a:fillRef idx="2">
+            <a:schemeClr val="accent1"/>
+          </a:fillRef>
+          <a:effectRef idx="1">
+            <a:schemeClr val="accent1"/>
+          </a:effectRef>
+          <a:fontRef idx="minor">
+            <a:schemeClr val="dk1"/>
+          </a:fontRef>
+        </p:style>
+        <p:txBody>
+          <a:bodyPr wrap="none" rtlCol="0">
+            <a:spAutoFit/>
+          </a:bodyPr>
+          <a:lstStyle/>
+          <a:p>
+            <a:r>
+              <a:rPr lang="ja-JP" altLang="en-US" sz="1400" dirty="0"/>
+              <a:t>開発環境</a:t>
+            </a:r>
+            <a:endParaRPr kumimoji="1" lang="ja-JP" altLang="en-US" sz="1400" dirty="0"/>
+          </a:p>
+        </p:txBody>
+      </p:sp>
+      <p:sp>
+        <p:nvSpPr>
+          <p:cNvPr id="19" name="四角形: メモ 18">
+            <a:extLst>
+              <a:ext uri="{FF2B5EF4-FFF2-40B4-BE49-F238E27FC236}">
+                <a16:creationId xmlns:a16="http://schemas.microsoft.com/office/drawing/2014/main" id="{90965436-F3FB-0B4D-5C77-FF35E959413C}"/>
+              </a:ext>
+            </a:extLst>
+          </p:cNvPr>
+          <p:cNvSpPr/>
+          <p:nvPr/>
+        </p:nvSpPr>
+        <p:spPr>
+          <a:xfrm>
+            <a:off x="3090604" y="4201650"/>
+            <a:ext cx="2528171" cy="1900903"/>
+          </a:xfrm>
+          <a:prstGeom prst="foldedCorner">
+            <a:avLst/>
+          </a:prstGeom>
+        </p:spPr>
+        <p:style>
+          <a:lnRef idx="2">
+            <a:schemeClr val="accent1"/>
+          </a:lnRef>
+          <a:fillRef idx="1">
+            <a:schemeClr val="lt1"/>
+          </a:fillRef>
+          <a:effectRef idx="0">
+            <a:schemeClr val="accent1"/>
+          </a:effectRef>
+          <a:fontRef idx="minor">
+            <a:schemeClr val="dk1"/>
+          </a:fontRef>
+        </p:style>
+        <p:txBody>
+          <a:bodyPr rtlCol="0" anchor="ctr"/>
+          <a:lstStyle/>
+          <a:p>
+            <a:pPr algn="ctr"/>
+            <a:endParaRPr kumimoji="1" lang="ja-JP" altLang="en-US" dirty="0"/>
+          </a:p>
+        </p:txBody>
+      </p:sp>
+      <p:sp>
+        <p:nvSpPr>
+          <p:cNvPr id="21" name="テキスト ボックス 20">
+            <a:extLst>
+              <a:ext uri="{FF2B5EF4-FFF2-40B4-BE49-F238E27FC236}">
+                <a16:creationId xmlns:a16="http://schemas.microsoft.com/office/drawing/2014/main" id="{D4D738D3-8CDE-5540-C56B-C8054FD661A5}"/>
+              </a:ext>
+            </a:extLst>
+          </p:cNvPr>
+          <p:cNvSpPr txBox="1"/>
+          <p:nvPr/>
+        </p:nvSpPr>
+        <p:spPr>
+          <a:xfrm>
+            <a:off x="3460854" y="5948663"/>
+            <a:ext cx="1787669" cy="307777"/>
+          </a:xfrm>
+          <a:prstGeom prst="rect">
+            <a:avLst/>
+          </a:prstGeom>
+        </p:spPr>
+        <p:style>
+          <a:lnRef idx="1">
+            <a:schemeClr val="accent1"/>
+          </a:lnRef>
+          <a:fillRef idx="2">
+            <a:schemeClr val="accent1"/>
+          </a:fillRef>
+          <a:effectRef idx="1">
+            <a:schemeClr val="accent1"/>
+          </a:effectRef>
+          <a:fontRef idx="minor">
+            <a:schemeClr val="dk1"/>
+          </a:fontRef>
+        </p:style>
+        <p:txBody>
+          <a:bodyPr wrap="none" rtlCol="0">
+            <a:spAutoFit/>
+          </a:bodyPr>
+          <a:lstStyle/>
+          <a:p>
+            <a:r>
+              <a:rPr lang="en-US" altLang="ja-JP" sz="1400" dirty="0"/>
+              <a:t>Azure Load Testing</a:t>
+            </a:r>
+            <a:endParaRPr kumimoji="1" lang="ja-JP" altLang="en-US" sz="1400" dirty="0"/>
+          </a:p>
+        </p:txBody>
+      </p:sp>
+      <p:cxnSp>
+        <p:nvCxnSpPr>
+          <p:cNvPr id="24" name="直線矢印コネクタ 23">
+            <a:extLst>
+              <a:ext uri="{FF2B5EF4-FFF2-40B4-BE49-F238E27FC236}">
+                <a16:creationId xmlns:a16="http://schemas.microsoft.com/office/drawing/2014/main" id="{F7CB1759-9C25-2BA8-C65E-06A72452BA88}"/>
+              </a:ext>
+            </a:extLst>
+          </p:cNvPr>
+          <p:cNvCxnSpPr>
+            <a:cxnSpLocks/>
+          </p:cNvCxnSpPr>
+          <p:nvPr/>
+        </p:nvCxnSpPr>
+        <p:spPr>
+          <a:xfrm>
+            <a:off x="3348273" y="1906404"/>
+            <a:ext cx="0" cy="649525"/>
+          </a:xfrm>
+          <a:prstGeom prst="straightConnector1">
+            <a:avLst/>
+          </a:prstGeom>
+          <a:ln w="38100">
+            <a:solidFill>
+              <a:schemeClr val="accent1"/>
+            </a:solidFill>
+            <a:headEnd type="none" w="med" len="med"/>
+            <a:tailEnd type="arrow" w="med" len="med"/>
+          </a:ln>
+        </p:spPr>
+        <p:style>
+          <a:lnRef idx="1">
+            <a:schemeClr val="accent1"/>
+          </a:lnRef>
+          <a:fillRef idx="0">
+            <a:schemeClr val="accent1"/>
+          </a:fillRef>
+          <a:effectRef idx="0">
+            <a:schemeClr val="accent1"/>
+          </a:effectRef>
+          <a:fontRef idx="minor">
+            <a:schemeClr val="tx1"/>
+          </a:fontRef>
+        </p:style>
+      </p:cxnSp>
+      <p:sp>
+        <p:nvSpPr>
+          <p:cNvPr id="29" name="テキスト ボックス 28">
+            <a:extLst>
+              <a:ext uri="{FF2B5EF4-FFF2-40B4-BE49-F238E27FC236}">
+                <a16:creationId xmlns:a16="http://schemas.microsoft.com/office/drawing/2014/main" id="{870853D3-31F7-87D9-A67A-2420F8381972}"/>
+              </a:ext>
+            </a:extLst>
+          </p:cNvPr>
+          <p:cNvSpPr txBox="1"/>
+          <p:nvPr/>
+        </p:nvSpPr>
+        <p:spPr>
+          <a:xfrm>
+            <a:off x="3348273" y="2050966"/>
+            <a:ext cx="2159566" cy="307777"/>
+          </a:xfrm>
+          <a:prstGeom prst="rect">
+            <a:avLst/>
+          </a:prstGeom>
+          <a:noFill/>
+        </p:spPr>
+        <p:txBody>
+          <a:bodyPr wrap="none" rtlCol="0">
+            <a:spAutoFit/>
+          </a:bodyPr>
+          <a:lstStyle/>
+          <a:p>
+            <a:r>
+              <a:rPr lang="ja-JP" altLang="en-US" sz="1400" dirty="0"/>
+              <a:t>ユーザー定義変数を参照</a:t>
+            </a:r>
+            <a:endParaRPr kumimoji="1" lang="ja-JP" altLang="en-US" sz="1400" dirty="0"/>
+          </a:p>
+        </p:txBody>
+      </p:sp>
+      <p:cxnSp>
+        <p:nvCxnSpPr>
+          <p:cNvPr id="35" name="直線矢印コネクタ 34">
+            <a:extLst>
+              <a:ext uri="{FF2B5EF4-FFF2-40B4-BE49-F238E27FC236}">
+                <a16:creationId xmlns:a16="http://schemas.microsoft.com/office/drawing/2014/main" id="{A71C8F0F-1006-9329-B1DF-D87353D8A87F}"/>
+              </a:ext>
+            </a:extLst>
+          </p:cNvPr>
+          <p:cNvCxnSpPr>
+            <a:cxnSpLocks/>
+          </p:cNvCxnSpPr>
+          <p:nvPr/>
+        </p:nvCxnSpPr>
+        <p:spPr>
+          <a:xfrm>
+            <a:off x="1605094" y="3324013"/>
+            <a:ext cx="0" cy="950971"/>
+          </a:xfrm>
+          <a:prstGeom prst="straightConnector1">
+            <a:avLst/>
+          </a:prstGeom>
+          <a:ln w="38100">
+            <a:solidFill>
+              <a:schemeClr val="accent1"/>
+            </a:solidFill>
+            <a:headEnd type="none" w="med" len="med"/>
+            <a:tailEnd type="arrow" w="med" len="med"/>
+          </a:ln>
+        </p:spPr>
+        <p:style>
+          <a:lnRef idx="1">
+            <a:schemeClr val="accent1"/>
+          </a:lnRef>
+          <a:fillRef idx="0">
+            <a:schemeClr val="accent1"/>
+          </a:fillRef>
+          <a:effectRef idx="0">
+            <a:schemeClr val="accent1"/>
+          </a:effectRef>
+          <a:fontRef idx="minor">
+            <a:schemeClr val="tx1"/>
+          </a:fontRef>
+        </p:style>
+      </p:cxnSp>
+      <p:sp>
+        <p:nvSpPr>
+          <p:cNvPr id="37" name="テキスト ボックス 36">
+            <a:extLst>
+              <a:ext uri="{FF2B5EF4-FFF2-40B4-BE49-F238E27FC236}">
+                <a16:creationId xmlns:a16="http://schemas.microsoft.com/office/drawing/2014/main" id="{40CD7DF8-C11C-90F5-3698-F2135CBF096E}"/>
+              </a:ext>
+            </a:extLst>
+          </p:cNvPr>
+          <p:cNvSpPr txBox="1"/>
+          <p:nvPr/>
+        </p:nvSpPr>
+        <p:spPr>
+          <a:xfrm>
+            <a:off x="1721525" y="3461776"/>
+            <a:ext cx="2339102" cy="307777"/>
+          </a:xfrm>
+          <a:prstGeom prst="rect">
+            <a:avLst/>
+          </a:prstGeom>
+          <a:noFill/>
+        </p:spPr>
+        <p:txBody>
+          <a:bodyPr wrap="none" rtlCol="0">
+            <a:spAutoFit/>
+          </a:bodyPr>
+          <a:lstStyle/>
+          <a:p>
+            <a:r>
+              <a:rPr lang="ja-JP" altLang="en-US" sz="1400" dirty="0"/>
+              <a:t>実行環境の環境変数を参照</a:t>
+            </a:r>
+            <a:endParaRPr kumimoji="1" lang="ja-JP" altLang="en-US" sz="1400" dirty="0"/>
+          </a:p>
+        </p:txBody>
+      </p:sp>
+      <p:cxnSp>
+        <p:nvCxnSpPr>
+          <p:cNvPr id="39" name="直線矢印コネクタ 38">
+            <a:extLst>
+              <a:ext uri="{FF2B5EF4-FFF2-40B4-BE49-F238E27FC236}">
+                <a16:creationId xmlns:a16="http://schemas.microsoft.com/office/drawing/2014/main" id="{57920AF7-2555-DC34-E62A-621D63489029}"/>
+              </a:ext>
+            </a:extLst>
+          </p:cNvPr>
+          <p:cNvCxnSpPr>
+            <a:cxnSpLocks/>
+          </p:cNvCxnSpPr>
+          <p:nvPr/>
+        </p:nvCxnSpPr>
+        <p:spPr>
+          <a:xfrm>
+            <a:off x="4145459" y="3316566"/>
+            <a:ext cx="0" cy="950971"/>
+          </a:xfrm>
+          <a:prstGeom prst="straightConnector1">
+            <a:avLst/>
+          </a:prstGeom>
+          <a:ln w="38100">
+            <a:solidFill>
+              <a:schemeClr val="accent1"/>
+            </a:solidFill>
+            <a:headEnd type="none" w="med" len="med"/>
+            <a:tailEnd type="arrow" w="med" len="med"/>
+          </a:ln>
+        </p:spPr>
+        <p:style>
+          <a:lnRef idx="1">
+            <a:schemeClr val="accent1"/>
+          </a:lnRef>
+          <a:fillRef idx="0">
+            <a:schemeClr val="accent1"/>
+          </a:fillRef>
+          <a:effectRef idx="0">
+            <a:schemeClr val="accent1"/>
+          </a:effectRef>
+          <a:fontRef idx="minor">
+            <a:schemeClr val="tx1"/>
+          </a:fontRef>
+        </p:style>
+      </p:cxnSp>
+      <p:pic>
+        <p:nvPicPr>
+          <p:cNvPr id="44" name="図 43">
+            <a:extLst>
+              <a:ext uri="{FF2B5EF4-FFF2-40B4-BE49-F238E27FC236}">
+                <a16:creationId xmlns:a16="http://schemas.microsoft.com/office/drawing/2014/main" id="{2A1AB043-D18C-EFFA-F94E-F60005053746}"/>
+              </a:ext>
+            </a:extLst>
+          </p:cNvPr>
+          <p:cNvPicPr>
+            <a:picLocks noChangeAspect="1"/>
+          </p:cNvPicPr>
+          <p:nvPr/>
+        </p:nvPicPr>
+        <p:blipFill rotWithShape="1">
+          <a:blip r:embed="rId2"/>
+          <a:srcRect r="25403" b="61818"/>
+          <a:stretch/>
+        </p:blipFill>
+        <p:spPr>
+          <a:xfrm>
+            <a:off x="5787160" y="2308739"/>
+            <a:ext cx="6327188" cy="2164060"/>
+          </a:xfrm>
+          <a:prstGeom prst="rect">
+            <a:avLst/>
+          </a:prstGeom>
+          <a:ln>
+            <a:noFill/>
+          </a:ln>
+          <a:effectLst>
+            <a:outerShdw blurRad="292100" dist="139700" dir="2700000" algn="tl" rotWithShape="0">
+              <a:srgbClr val="333333">
+                <a:alpha val="65000"/>
+              </a:srgbClr>
+            </a:outerShdw>
+          </a:effectLst>
+        </p:spPr>
+      </p:pic>
+      <p:pic>
+        <p:nvPicPr>
+          <p:cNvPr id="46" name="図 45">
+            <a:extLst>
+              <a:ext uri="{FF2B5EF4-FFF2-40B4-BE49-F238E27FC236}">
+                <a16:creationId xmlns:a16="http://schemas.microsoft.com/office/drawing/2014/main" id="{780502AF-3D4A-E3F9-0559-E6971AD13CFA}"/>
+              </a:ext>
+            </a:extLst>
+          </p:cNvPr>
+          <p:cNvPicPr>
+            <a:picLocks noChangeAspect="1"/>
+          </p:cNvPicPr>
+          <p:nvPr/>
+        </p:nvPicPr>
+        <p:blipFill rotWithShape="1">
+          <a:blip r:embed="rId3"/>
+          <a:srcRect r="25403" b="56725"/>
+          <a:stretch/>
+        </p:blipFill>
+        <p:spPr>
+          <a:xfrm>
+            <a:off x="5787160" y="-296986"/>
+            <a:ext cx="6327222" cy="2452718"/>
+          </a:xfrm>
+          <a:prstGeom prst="rect">
+            <a:avLst/>
+          </a:prstGeom>
+          <a:ln>
+            <a:noFill/>
+          </a:ln>
+          <a:effectLst>
+            <a:outerShdw blurRad="292100" dist="139700" dir="2700000" algn="tl" rotWithShape="0">
+              <a:srgbClr val="333333">
+                <a:alpha val="65000"/>
+              </a:srgbClr>
+            </a:outerShdw>
+          </a:effectLst>
+        </p:spPr>
+      </p:pic>
+      <p:sp>
+        <p:nvSpPr>
+          <p:cNvPr id="48" name="四角形: 角を丸くする 47">
+            <a:extLst>
+              <a:ext uri="{FF2B5EF4-FFF2-40B4-BE49-F238E27FC236}">
+                <a16:creationId xmlns:a16="http://schemas.microsoft.com/office/drawing/2014/main" id="{966CF839-6AA3-79D5-8B68-51EB1E950BFE}"/>
+              </a:ext>
+            </a:extLst>
+          </p:cNvPr>
+          <p:cNvSpPr/>
+          <p:nvPr/>
+        </p:nvSpPr>
+        <p:spPr>
+          <a:xfrm>
+            <a:off x="9947979" y="1233944"/>
+            <a:ext cx="1169014" cy="290905"/>
+          </a:xfrm>
+          <a:prstGeom prst="roundRect">
+            <a:avLst/>
+          </a:prstGeom>
+          <a:noFill/>
+          <a:ln w="19050">
+            <a:solidFill>
+              <a:srgbClr val="FF0000"/>
+            </a:solidFill>
+          </a:ln>
+        </p:spPr>
+        <p:style>
+          <a:lnRef idx="2">
+            <a:schemeClr val="accent1">
+              <a:shade val="50000"/>
+            </a:schemeClr>
+          </a:lnRef>
+          <a:fillRef idx="1">
+            <a:schemeClr val="accent1"/>
+          </a:fillRef>
+          <a:effectRef idx="0">
+            <a:schemeClr val="accent1"/>
+          </a:effectRef>
+          <a:fontRef idx="minor">
+            <a:schemeClr val="lt1"/>
+          </a:fontRef>
+        </p:style>
+        <p:txBody>
+          <a:bodyPr rtlCol="0" anchor="ctr"/>
+          <a:lstStyle/>
+          <a:p>
+            <a:pPr algn="ctr"/>
+            <a:endParaRPr kumimoji="1" lang="ja-JP" altLang="en-US"/>
+          </a:p>
+        </p:txBody>
+      </p:sp>
+      <p:sp>
+        <p:nvSpPr>
+          <p:cNvPr id="50" name="四角形: 角を丸くする 49">
+            <a:extLst>
+              <a:ext uri="{FF2B5EF4-FFF2-40B4-BE49-F238E27FC236}">
+                <a16:creationId xmlns:a16="http://schemas.microsoft.com/office/drawing/2014/main" id="{37E53072-FBA2-AF2F-CECD-EFEC2E329FAB}"/>
+              </a:ext>
+            </a:extLst>
+          </p:cNvPr>
+          <p:cNvSpPr/>
+          <p:nvPr/>
+        </p:nvSpPr>
+        <p:spPr>
+          <a:xfrm>
+            <a:off x="8054490" y="3654915"/>
+            <a:ext cx="4059857" cy="588166"/>
+          </a:xfrm>
+          <a:prstGeom prst="roundRect">
+            <a:avLst/>
+          </a:prstGeom>
+          <a:noFill/>
+          <a:ln w="19050">
+            <a:solidFill>
+              <a:srgbClr val="FF0000"/>
+            </a:solidFill>
+          </a:ln>
+        </p:spPr>
+        <p:style>
+          <a:lnRef idx="2">
+            <a:schemeClr val="accent1">
+              <a:shade val="50000"/>
+            </a:schemeClr>
+          </a:lnRef>
+          <a:fillRef idx="1">
+            <a:schemeClr val="accent1"/>
+          </a:fillRef>
+          <a:effectRef idx="0">
+            <a:schemeClr val="accent1"/>
+          </a:effectRef>
+          <a:fontRef idx="minor">
+            <a:schemeClr val="lt1"/>
+          </a:fontRef>
+        </p:style>
+        <p:txBody>
+          <a:bodyPr rtlCol="0" anchor="ctr"/>
+          <a:lstStyle/>
+          <a:p>
+            <a:pPr algn="ctr"/>
+            <a:endParaRPr kumimoji="1" lang="ja-JP" altLang="en-US"/>
+          </a:p>
+        </p:txBody>
+      </p:sp>
+      <p:sp>
+        <p:nvSpPr>
+          <p:cNvPr id="51" name="矢印: 右 50">
+            <a:extLst>
+              <a:ext uri="{FF2B5EF4-FFF2-40B4-BE49-F238E27FC236}">
+                <a16:creationId xmlns:a16="http://schemas.microsoft.com/office/drawing/2014/main" id="{0882E2D9-9439-2A2C-487B-166E99DDE9C8}"/>
+              </a:ext>
+            </a:extLst>
+          </p:cNvPr>
+          <p:cNvSpPr/>
+          <p:nvPr/>
+        </p:nvSpPr>
+        <p:spPr>
+          <a:xfrm>
+            <a:off x="5236420" y="1381468"/>
+            <a:ext cx="776253" cy="307777"/>
+          </a:xfrm>
+          <a:prstGeom prst="rightArrow">
+            <a:avLst/>
+          </a:prstGeom>
+        </p:spPr>
+        <p:style>
+          <a:lnRef idx="2">
+            <a:schemeClr val="accent1">
+              <a:shade val="50000"/>
+            </a:schemeClr>
+          </a:lnRef>
+          <a:fillRef idx="1">
+            <a:schemeClr val="accent1"/>
+          </a:fillRef>
+          <a:effectRef idx="0">
+            <a:schemeClr val="accent1"/>
+          </a:effectRef>
+          <a:fontRef idx="minor">
+            <a:schemeClr val="lt1"/>
+          </a:fontRef>
+        </p:style>
+        <p:txBody>
+          <a:bodyPr rtlCol="0" anchor="ctr"/>
+          <a:lstStyle/>
+          <a:p>
+            <a:pPr algn="ctr"/>
+            <a:endParaRPr kumimoji="1" lang="ja-JP" altLang="en-US"/>
+          </a:p>
+        </p:txBody>
+      </p:sp>
+      <p:sp>
+        <p:nvSpPr>
+          <p:cNvPr id="53" name="矢印: 右 52">
+            <a:extLst>
+              <a:ext uri="{FF2B5EF4-FFF2-40B4-BE49-F238E27FC236}">
+                <a16:creationId xmlns:a16="http://schemas.microsoft.com/office/drawing/2014/main" id="{52C0E863-5E9F-D355-EAA0-7451FE68282E}"/>
+              </a:ext>
+            </a:extLst>
+          </p:cNvPr>
+          <p:cNvSpPr/>
+          <p:nvPr/>
+        </p:nvSpPr>
+        <p:spPr>
+          <a:xfrm>
+            <a:off x="5236420" y="2751435"/>
+            <a:ext cx="776253" cy="307777"/>
+          </a:xfrm>
+          <a:prstGeom prst="rightArrow">
+            <a:avLst/>
+          </a:prstGeom>
+        </p:spPr>
+        <p:style>
+          <a:lnRef idx="2">
+            <a:schemeClr val="accent1">
+              <a:shade val="50000"/>
+            </a:schemeClr>
+          </a:lnRef>
+          <a:fillRef idx="1">
+            <a:schemeClr val="accent1"/>
+          </a:fillRef>
+          <a:effectRef idx="0">
+            <a:schemeClr val="accent1"/>
+          </a:effectRef>
+          <a:fontRef idx="minor">
+            <a:schemeClr val="lt1"/>
+          </a:fontRef>
+        </p:style>
+        <p:txBody>
+          <a:bodyPr rtlCol="0" anchor="ctr"/>
+          <a:lstStyle/>
+          <a:p>
+            <a:pPr algn="ctr"/>
+            <a:endParaRPr kumimoji="1" lang="ja-JP" altLang="en-US"/>
+          </a:p>
+        </p:txBody>
+      </p:sp>
+    </p:spTree>
+    <p:extLst>
+      <p:ext uri="{BB962C8B-B14F-4D97-AF65-F5344CB8AC3E}">
+        <p14:creationId xmlns:p14="http://schemas.microsoft.com/office/powerpoint/2010/main" val="3039803511"/>
+      </p:ext>
+    </p:extLst>
+  </p:cSld>
+  <p:clrMapOvr>
+    <a:masterClrMapping/>
+  </p:clrMapOvr>
+</p:sld>
+</file>
+
+<file path=ppt/slides/slide7.xml><?xml version="1.0" encoding="utf-8"?>
+<p:sld xmlns:a="http://schemas.openxmlformats.org/drawingml/2006/main" xmlns:r="http://schemas.openxmlformats.org/officeDocument/2006/relationships" xmlns:p="http://schemas.openxmlformats.org/presentationml/2006/main">
+  <p:cSld>
+    <p:spTree>
+      <p:nvGrpSpPr>
+        <p:cNvPr id="1" name=""/>
+        <p:cNvGrpSpPr/>
+        <p:nvPr/>
+      </p:nvGrpSpPr>
+      <p:grpSpPr>
+        <a:xfrm>
+          <a:off x="0" y="0"/>
+          <a:ext cx="0" cy="0"/>
+          <a:chOff x="0" y="0"/>
+          <a:chExt cx="0" cy="0"/>
+        </a:xfrm>
+      </p:grpSpPr>
+      <p:pic>
+        <p:nvPicPr>
+          <p:cNvPr id="3" name="図 2">
+            <a:extLst>
+              <a:ext uri="{FF2B5EF4-FFF2-40B4-BE49-F238E27FC236}">
+                <a16:creationId xmlns:a16="http://schemas.microsoft.com/office/drawing/2014/main" id="{16387BA3-EF95-7D4D-4DCE-52DB45D8E540}"/>
+              </a:ext>
+            </a:extLst>
+          </p:cNvPr>
+          <p:cNvPicPr>
+            <a:picLocks noChangeAspect="1"/>
+          </p:cNvPicPr>
+          <p:nvPr/>
+        </p:nvPicPr>
+        <p:blipFill>
+          <a:blip r:embed="rId2"/>
+          <a:stretch>
+            <a:fillRect/>
+          </a:stretch>
+        </p:blipFill>
+        <p:spPr>
+          <a:xfrm>
+            <a:off x="595142" y="864866"/>
+            <a:ext cx="5776573" cy="3903623"/>
+          </a:xfrm>
+          <a:prstGeom prst="rect">
+            <a:avLst/>
+          </a:prstGeom>
+          <a:ln>
+            <a:noFill/>
+          </a:ln>
+          <a:effectLst>
+            <a:outerShdw blurRad="292100" dist="139700" dir="2700000" algn="tl" rotWithShape="0">
+              <a:srgbClr val="333333">
+                <a:alpha val="65000"/>
+              </a:srgbClr>
+            </a:outerShdw>
+          </a:effectLst>
+        </p:spPr>
+      </p:pic>
+    </p:spTree>
+    <p:extLst>
+      <p:ext uri="{BB962C8B-B14F-4D97-AF65-F5344CB8AC3E}">
+        <p14:creationId xmlns:p14="http://schemas.microsoft.com/office/powerpoint/2010/main" val="4143566903"/>
+      </p:ext>
+    </p:extLst>
+  </p:cSld>
+  <p:clrMapOvr>
+    <a:masterClrMapping/>
+  </p:clrMapOvr>
+</p:sld>
+</file>
+
+<file path=ppt/slides/slide8.xml><?xml version="1.0" encoding="utf-8"?>
+<p:sld xmlns:a="http://schemas.openxmlformats.org/drawingml/2006/main" xmlns:r="http://schemas.openxmlformats.org/officeDocument/2006/relationships" xmlns:p="http://schemas.openxmlformats.org/presentationml/2006/main">
+  <p:cSld>
+    <p:spTree>
+      <p:nvGrpSpPr>
+        <p:cNvPr id="1" name=""/>
+        <p:cNvGrpSpPr/>
+        <p:nvPr/>
+      </p:nvGrpSpPr>
+      <p:grpSpPr>
+        <a:xfrm>
+          <a:off x="0" y="0"/>
+          <a:ext cx="0" cy="0"/>
+          <a:chOff x="0" y="0"/>
+          <a:chExt cx="0" cy="0"/>
+        </a:xfrm>
+      </p:grpSpPr>
+      <p:pic>
+        <p:nvPicPr>
+          <p:cNvPr id="3" name="図 2">
+            <a:extLst>
+              <a:ext uri="{FF2B5EF4-FFF2-40B4-BE49-F238E27FC236}">
+                <a16:creationId xmlns:a16="http://schemas.microsoft.com/office/drawing/2014/main" id="{ED3D3435-3555-D955-4276-0D8FE4C7741C}"/>
+              </a:ext>
+            </a:extLst>
+          </p:cNvPr>
+          <p:cNvPicPr>
+            <a:picLocks noChangeAspect="1"/>
+          </p:cNvPicPr>
+          <p:nvPr/>
+        </p:nvPicPr>
+        <p:blipFill>
+          <a:blip r:embed="rId2"/>
+          <a:stretch>
+            <a:fillRect/>
+          </a:stretch>
+        </p:blipFill>
+        <p:spPr>
+          <a:xfrm>
+            <a:off x="233177" y="190791"/>
+            <a:ext cx="4993200" cy="1963528"/>
+          </a:xfrm>
+          <a:prstGeom prst="rect">
+            <a:avLst/>
+          </a:prstGeom>
+          <a:ln>
+            <a:noFill/>
+          </a:ln>
+          <a:effectLst>
+            <a:outerShdw blurRad="292100" dist="139700" dir="2700000" algn="tl" rotWithShape="0">
+              <a:srgbClr val="333333">
+                <a:alpha val="65000"/>
+              </a:srgbClr>
+            </a:outerShdw>
+          </a:effectLst>
+        </p:spPr>
+      </p:pic>
+      <p:pic>
+        <p:nvPicPr>
+          <p:cNvPr id="5" name="図 4">
+            <a:extLst>
+              <a:ext uri="{FF2B5EF4-FFF2-40B4-BE49-F238E27FC236}">
+                <a16:creationId xmlns:a16="http://schemas.microsoft.com/office/drawing/2014/main" id="{D9505BA0-FC08-1CDF-7BE9-E9E4287C321A}"/>
+              </a:ext>
+            </a:extLst>
+          </p:cNvPr>
+          <p:cNvPicPr>
+            <a:picLocks noChangeAspect="1"/>
+          </p:cNvPicPr>
+          <p:nvPr/>
+        </p:nvPicPr>
+        <p:blipFill>
+          <a:blip r:embed="rId3"/>
+          <a:stretch>
+            <a:fillRect/>
+          </a:stretch>
+        </p:blipFill>
+        <p:spPr>
+          <a:xfrm>
+            <a:off x="233177" y="2317603"/>
+            <a:ext cx="4991629" cy="2271722"/>
+          </a:xfrm>
+          <a:prstGeom prst="rect">
+            <a:avLst/>
+          </a:prstGeom>
+          <a:ln>
+            <a:noFill/>
+          </a:ln>
+          <a:effectLst>
+            <a:outerShdw blurRad="292100" dist="139700" dir="2700000" algn="tl" rotWithShape="0">
+              <a:srgbClr val="333333">
+                <a:alpha val="65000"/>
+              </a:srgbClr>
+            </a:outerShdw>
+          </a:effectLst>
+        </p:spPr>
+      </p:pic>
+      <p:pic>
+        <p:nvPicPr>
+          <p:cNvPr id="7" name="図 6">
+            <a:extLst>
+              <a:ext uri="{FF2B5EF4-FFF2-40B4-BE49-F238E27FC236}">
+                <a16:creationId xmlns:a16="http://schemas.microsoft.com/office/drawing/2014/main" id="{FB23FD25-F2E5-E540-3C35-094869698252}"/>
+              </a:ext>
+            </a:extLst>
+          </p:cNvPr>
+          <p:cNvPicPr>
+            <a:picLocks noChangeAspect="1"/>
+          </p:cNvPicPr>
+          <p:nvPr/>
+        </p:nvPicPr>
+        <p:blipFill>
+          <a:blip r:embed="rId4"/>
+          <a:stretch>
+            <a:fillRect/>
+          </a:stretch>
+        </p:blipFill>
+        <p:spPr>
+          <a:xfrm>
+            <a:off x="233177" y="4752610"/>
+            <a:ext cx="4991628" cy="2389827"/>
+          </a:xfrm>
+          <a:prstGeom prst="rect">
+            <a:avLst/>
+          </a:prstGeom>
+          <a:ln>
+            <a:noFill/>
+          </a:ln>
+          <a:effectLst>
+            <a:outerShdw blurRad="292100" dist="139700" dir="2700000" algn="tl" rotWithShape="0">
+              <a:srgbClr val="333333">
+                <a:alpha val="65000"/>
+              </a:srgbClr>
+            </a:outerShdw>
+          </a:effectLst>
+        </p:spPr>
+      </p:pic>
+      <p:pic>
+        <p:nvPicPr>
+          <p:cNvPr id="9" name="図 8">
+            <a:extLst>
+              <a:ext uri="{FF2B5EF4-FFF2-40B4-BE49-F238E27FC236}">
+                <a16:creationId xmlns:a16="http://schemas.microsoft.com/office/drawing/2014/main" id="{F4214B74-66AB-D9A3-0464-E20F0DEAFC3D}"/>
+              </a:ext>
+            </a:extLst>
+          </p:cNvPr>
+          <p:cNvPicPr>
+            <a:picLocks noChangeAspect="1"/>
+          </p:cNvPicPr>
+          <p:nvPr/>
+        </p:nvPicPr>
+        <p:blipFill rotWithShape="1">
+          <a:blip r:embed="rId5"/>
+          <a:srcRect b="52421"/>
+          <a:stretch/>
+        </p:blipFill>
+        <p:spPr>
+          <a:xfrm>
+            <a:off x="6096000" y="411612"/>
+            <a:ext cx="4993200" cy="2386946"/>
+          </a:xfrm>
+          <a:prstGeom prst="rect">
+            <a:avLst/>
+          </a:prstGeom>
+          <a:ln>
+            <a:noFill/>
+          </a:ln>
+          <a:effectLst>
+            <a:outerShdw blurRad="292100" dist="139700" dir="2700000" algn="tl" rotWithShape="0">
+              <a:srgbClr val="333333">
+                <a:alpha val="65000"/>
+              </a:srgbClr>
+            </a:outerShdw>
+          </a:effectLst>
+        </p:spPr>
+      </p:pic>
+      <p:pic>
+        <p:nvPicPr>
+          <p:cNvPr id="11" name="図 10">
+            <a:extLst>
+              <a:ext uri="{FF2B5EF4-FFF2-40B4-BE49-F238E27FC236}">
+                <a16:creationId xmlns:a16="http://schemas.microsoft.com/office/drawing/2014/main" id="{BAE6BF18-FCD8-39C1-B1F2-4EA0BF7EA442}"/>
+              </a:ext>
+            </a:extLst>
+          </p:cNvPr>
+          <p:cNvPicPr>
+            <a:picLocks noChangeAspect="1"/>
+          </p:cNvPicPr>
+          <p:nvPr/>
+        </p:nvPicPr>
+        <p:blipFill>
+          <a:blip r:embed="rId6"/>
+          <a:stretch>
+            <a:fillRect/>
+          </a:stretch>
+        </p:blipFill>
+        <p:spPr>
+          <a:xfrm>
+            <a:off x="6096000" y="2924376"/>
+            <a:ext cx="4993200" cy="2180859"/>
+          </a:xfrm>
+          <a:prstGeom prst="rect">
+            <a:avLst/>
+          </a:prstGeom>
+          <a:ln>
+            <a:noFill/>
+          </a:ln>
+          <a:effectLst>
+            <a:outerShdw blurRad="292100" dist="139700" dir="2700000" algn="tl" rotWithShape="0">
+              <a:srgbClr val="333333">
+                <a:alpha val="65000"/>
+              </a:srgbClr>
+            </a:outerShdw>
+          </a:effectLst>
+        </p:spPr>
+      </p:pic>
+      <p:pic>
+        <p:nvPicPr>
+          <p:cNvPr id="13" name="図 12">
+            <a:extLst>
+              <a:ext uri="{FF2B5EF4-FFF2-40B4-BE49-F238E27FC236}">
+                <a16:creationId xmlns:a16="http://schemas.microsoft.com/office/drawing/2014/main" id="{93BC01C7-6A59-6C71-DF9C-209886DEE541}"/>
+              </a:ext>
+            </a:extLst>
+          </p:cNvPr>
+          <p:cNvPicPr>
+            <a:picLocks noChangeAspect="1"/>
+          </p:cNvPicPr>
+          <p:nvPr/>
+        </p:nvPicPr>
+        <p:blipFill>
+          <a:blip r:embed="rId7"/>
+          <a:stretch>
+            <a:fillRect/>
+          </a:stretch>
+        </p:blipFill>
+        <p:spPr>
+          <a:xfrm>
+            <a:off x="6096000" y="5231053"/>
+            <a:ext cx="4993200" cy="2424085"/>
+          </a:xfrm>
+          <a:prstGeom prst="rect">
+            <a:avLst/>
+          </a:prstGeom>
+          <a:ln>
+            <a:noFill/>
+          </a:ln>
+          <a:effectLst>
+            <a:outerShdw blurRad="292100" dist="139700" dir="2700000" algn="tl" rotWithShape="0">
+              <a:srgbClr val="333333">
+                <a:alpha val="65000"/>
+              </a:srgbClr>
+            </a:outerShdw>
+          </a:effectLst>
+        </p:spPr>
+      </p:pic>
+      <p:sp>
+        <p:nvSpPr>
+          <p:cNvPr id="14" name="矢印: 下 13">
+            <a:extLst>
+              <a:ext uri="{FF2B5EF4-FFF2-40B4-BE49-F238E27FC236}">
+                <a16:creationId xmlns:a16="http://schemas.microsoft.com/office/drawing/2014/main" id="{41C428F2-B0BB-5662-6D2C-EE1FAC01DA52}"/>
+              </a:ext>
+            </a:extLst>
+          </p:cNvPr>
+          <p:cNvSpPr/>
+          <p:nvPr/>
+        </p:nvSpPr>
+        <p:spPr>
+          <a:xfrm>
+            <a:off x="3824451" y="1919277"/>
+            <a:ext cx="402671" cy="633368"/>
+          </a:xfrm>
+          <a:prstGeom prst="downArrow">
+            <a:avLst/>
+          </a:prstGeom>
+        </p:spPr>
+        <p:style>
+          <a:lnRef idx="2">
+            <a:schemeClr val="accent1">
+              <a:shade val="50000"/>
+            </a:schemeClr>
+          </a:lnRef>
+          <a:fillRef idx="1">
+            <a:schemeClr val="accent1"/>
+          </a:fillRef>
+          <a:effectRef idx="0">
+            <a:schemeClr val="accent1"/>
+          </a:effectRef>
+          <a:fontRef idx="minor">
+            <a:schemeClr val="lt1"/>
+          </a:fontRef>
+        </p:style>
+        <p:txBody>
+          <a:bodyPr rtlCol="0" anchor="ctr"/>
+          <a:lstStyle/>
+          <a:p>
+            <a:pPr algn="ctr"/>
+            <a:endParaRPr kumimoji="1" lang="ja-JP" altLang="en-US"/>
+          </a:p>
+        </p:txBody>
+      </p:sp>
+      <p:sp>
+        <p:nvSpPr>
+          <p:cNvPr id="16" name="矢印: 下 15">
+            <a:extLst>
+              <a:ext uri="{FF2B5EF4-FFF2-40B4-BE49-F238E27FC236}">
+                <a16:creationId xmlns:a16="http://schemas.microsoft.com/office/drawing/2014/main" id="{6E85E67C-D5FA-9D62-AA29-3922E47FDCC2}"/>
+              </a:ext>
+            </a:extLst>
+          </p:cNvPr>
+          <p:cNvSpPr/>
+          <p:nvPr/>
+        </p:nvSpPr>
+        <p:spPr>
+          <a:xfrm>
+            <a:off x="3824450" y="4435925"/>
+            <a:ext cx="402671" cy="633368"/>
+          </a:xfrm>
+          <a:prstGeom prst="downArrow">
+            <a:avLst/>
+          </a:prstGeom>
+        </p:spPr>
+        <p:style>
+          <a:lnRef idx="2">
+            <a:schemeClr val="accent1">
+              <a:shade val="50000"/>
+            </a:schemeClr>
+          </a:lnRef>
+          <a:fillRef idx="1">
+            <a:schemeClr val="accent1"/>
+          </a:fillRef>
+          <a:effectRef idx="0">
+            <a:schemeClr val="accent1"/>
+          </a:effectRef>
+          <a:fontRef idx="minor">
+            <a:schemeClr val="lt1"/>
+          </a:fontRef>
+        </p:style>
+        <p:txBody>
+          <a:bodyPr rtlCol="0" anchor="ctr"/>
+          <a:lstStyle/>
+          <a:p>
+            <a:pPr algn="ctr"/>
+            <a:endParaRPr kumimoji="1" lang="ja-JP" altLang="en-US"/>
+          </a:p>
+        </p:txBody>
+      </p:sp>
+      <p:sp>
+        <p:nvSpPr>
+          <p:cNvPr id="18" name="矢印: 下 17">
+            <a:extLst>
+              <a:ext uri="{FF2B5EF4-FFF2-40B4-BE49-F238E27FC236}">
+                <a16:creationId xmlns:a16="http://schemas.microsoft.com/office/drawing/2014/main" id="{D3514A2C-25A0-FD54-8D68-F4FF8887F1FB}"/>
+              </a:ext>
+            </a:extLst>
+          </p:cNvPr>
+          <p:cNvSpPr/>
+          <p:nvPr/>
+        </p:nvSpPr>
+        <p:spPr>
+          <a:xfrm rot="12066541">
+            <a:off x="5315638" y="3224466"/>
+            <a:ext cx="402671" cy="1677745"/>
+          </a:xfrm>
+          <a:prstGeom prst="downArrow">
+            <a:avLst/>
+          </a:prstGeom>
+        </p:spPr>
+        <p:style>
+          <a:lnRef idx="2">
+            <a:schemeClr val="accent1">
+              <a:shade val="50000"/>
+            </a:schemeClr>
+          </a:lnRef>
+          <a:fillRef idx="1">
+            <a:schemeClr val="accent1"/>
+          </a:fillRef>
+          <a:effectRef idx="0">
+            <a:schemeClr val="accent1"/>
+          </a:effectRef>
+          <a:fontRef idx="minor">
+            <a:schemeClr val="lt1"/>
+          </a:fontRef>
+        </p:style>
+        <p:txBody>
+          <a:bodyPr rtlCol="0" anchor="ctr"/>
+          <a:lstStyle/>
+          <a:p>
+            <a:pPr algn="ctr"/>
+            <a:endParaRPr kumimoji="1" lang="ja-JP" altLang="en-US"/>
+          </a:p>
+        </p:txBody>
+      </p:sp>
+      <p:sp>
+        <p:nvSpPr>
+          <p:cNvPr id="20" name="矢印: 下 19">
+            <a:extLst>
+              <a:ext uri="{FF2B5EF4-FFF2-40B4-BE49-F238E27FC236}">
+                <a16:creationId xmlns:a16="http://schemas.microsoft.com/office/drawing/2014/main" id="{1DA82B97-B2AC-1FF3-8D5E-D1BA16C03ECA}"/>
+              </a:ext>
+            </a:extLst>
+          </p:cNvPr>
+          <p:cNvSpPr/>
+          <p:nvPr/>
+        </p:nvSpPr>
+        <p:spPr>
+          <a:xfrm>
+            <a:off x="10686529" y="2650649"/>
+            <a:ext cx="402671" cy="633368"/>
+          </a:xfrm>
+          <a:prstGeom prst="downArrow">
+            <a:avLst/>
+          </a:prstGeom>
+        </p:spPr>
+        <p:style>
+          <a:lnRef idx="2">
+            <a:schemeClr val="accent1">
+              <a:shade val="50000"/>
+            </a:schemeClr>
+          </a:lnRef>
+          <a:fillRef idx="1">
+            <a:schemeClr val="accent1"/>
+          </a:fillRef>
+          <a:effectRef idx="0">
+            <a:schemeClr val="accent1"/>
+          </a:effectRef>
+          <a:fontRef idx="minor">
+            <a:schemeClr val="lt1"/>
+          </a:fontRef>
+        </p:style>
+        <p:txBody>
+          <a:bodyPr rtlCol="0" anchor="ctr"/>
+          <a:lstStyle/>
+          <a:p>
+            <a:pPr algn="ctr"/>
+            <a:endParaRPr kumimoji="1" lang="ja-JP" altLang="en-US"/>
+          </a:p>
+        </p:txBody>
+      </p:sp>
+      <p:sp>
+        <p:nvSpPr>
+          <p:cNvPr id="22" name="矢印: 下 21">
+            <a:extLst>
+              <a:ext uri="{FF2B5EF4-FFF2-40B4-BE49-F238E27FC236}">
+                <a16:creationId xmlns:a16="http://schemas.microsoft.com/office/drawing/2014/main" id="{1A1B8032-958D-84EF-94C1-6231A7D0D5AA}"/>
+              </a:ext>
+            </a:extLst>
+          </p:cNvPr>
+          <p:cNvSpPr/>
+          <p:nvPr/>
+        </p:nvSpPr>
+        <p:spPr>
+          <a:xfrm>
+            <a:off x="7381266" y="4978872"/>
+            <a:ext cx="402671" cy="633368"/>
+          </a:xfrm>
+          <a:prstGeom prst="downArrow">
+            <a:avLst/>
+          </a:prstGeom>
+        </p:spPr>
+        <p:style>
+          <a:lnRef idx="2">
+            <a:schemeClr val="accent1">
+              <a:shade val="50000"/>
+            </a:schemeClr>
+          </a:lnRef>
+          <a:fillRef idx="1">
+            <a:schemeClr val="accent1"/>
+          </a:fillRef>
+          <a:effectRef idx="0">
+            <a:schemeClr val="accent1"/>
+          </a:effectRef>
+          <a:fontRef idx="minor">
+            <a:schemeClr val="lt1"/>
+          </a:fontRef>
+        </p:style>
+        <p:txBody>
+          <a:bodyPr rtlCol="0" anchor="ctr"/>
+          <a:lstStyle/>
+          <a:p>
+            <a:pPr algn="ctr"/>
+            <a:endParaRPr kumimoji="1" lang="ja-JP" altLang="en-US"/>
+          </a:p>
+        </p:txBody>
+      </p:sp>
+      <p:sp>
+        <p:nvSpPr>
+          <p:cNvPr id="24" name="四角形: 角を丸くする 23">
+            <a:extLst>
+              <a:ext uri="{FF2B5EF4-FFF2-40B4-BE49-F238E27FC236}">
+                <a16:creationId xmlns:a16="http://schemas.microsoft.com/office/drawing/2014/main" id="{20CBD464-1649-B455-98F7-6966685B2DAC}"/>
+              </a:ext>
+            </a:extLst>
+          </p:cNvPr>
+          <p:cNvSpPr/>
+          <p:nvPr/>
+        </p:nvSpPr>
+        <p:spPr>
+          <a:xfrm>
+            <a:off x="1626100" y="638325"/>
+            <a:ext cx="701845" cy="290905"/>
+          </a:xfrm>
+          <a:prstGeom prst="roundRect">
+            <a:avLst/>
+          </a:prstGeom>
+          <a:noFill/>
+          <a:ln w="19050">
+            <a:solidFill>
+              <a:srgbClr val="FF0000"/>
+            </a:solidFill>
+          </a:ln>
+        </p:spPr>
+        <p:style>
+          <a:lnRef idx="2">
+            <a:schemeClr val="accent1">
+              <a:shade val="50000"/>
+            </a:schemeClr>
+          </a:lnRef>
+          <a:fillRef idx="1">
+            <a:schemeClr val="accent1"/>
+          </a:fillRef>
+          <a:effectRef idx="0">
+            <a:schemeClr val="accent1"/>
+          </a:effectRef>
+          <a:fontRef idx="minor">
+            <a:schemeClr val="lt1"/>
+          </a:fontRef>
+        </p:style>
+        <p:txBody>
+          <a:bodyPr rtlCol="0" anchor="ctr"/>
+          <a:lstStyle/>
+          <a:p>
+            <a:pPr algn="ctr"/>
+            <a:endParaRPr kumimoji="1" lang="ja-JP" altLang="en-US"/>
+          </a:p>
+        </p:txBody>
+      </p:sp>
+      <p:sp>
+        <p:nvSpPr>
+          <p:cNvPr id="26" name="四角形: 角を丸くする 25">
+            <a:extLst>
+              <a:ext uri="{FF2B5EF4-FFF2-40B4-BE49-F238E27FC236}">
+                <a16:creationId xmlns:a16="http://schemas.microsoft.com/office/drawing/2014/main" id="{9112B3B5-754E-AD87-E6BC-D13E070F78A9}"/>
+              </a:ext>
+            </a:extLst>
+          </p:cNvPr>
+          <p:cNvSpPr/>
+          <p:nvPr/>
+        </p:nvSpPr>
+        <p:spPr>
+          <a:xfrm>
+            <a:off x="233177" y="4308755"/>
+            <a:ext cx="2094768" cy="208718"/>
+          </a:xfrm>
+          <a:prstGeom prst="roundRect">
+            <a:avLst/>
+          </a:prstGeom>
+          <a:noFill/>
+          <a:ln w="19050">
+            <a:solidFill>
+              <a:srgbClr val="FF0000"/>
+            </a:solidFill>
+          </a:ln>
+        </p:spPr>
+        <p:style>
+          <a:lnRef idx="2">
+            <a:schemeClr val="accent1">
+              <a:shade val="50000"/>
+            </a:schemeClr>
+          </a:lnRef>
+          <a:fillRef idx="1">
+            <a:schemeClr val="accent1"/>
+          </a:fillRef>
+          <a:effectRef idx="0">
+            <a:schemeClr val="accent1"/>
+          </a:effectRef>
+          <a:fontRef idx="minor">
+            <a:schemeClr val="lt1"/>
+          </a:fontRef>
+        </p:style>
+        <p:txBody>
+          <a:bodyPr rtlCol="0" anchor="ctr"/>
+          <a:lstStyle/>
+          <a:p>
+            <a:pPr algn="ctr"/>
+            <a:endParaRPr kumimoji="1" lang="ja-JP" altLang="en-US"/>
+          </a:p>
+        </p:txBody>
+      </p:sp>
+      <p:sp>
+        <p:nvSpPr>
+          <p:cNvPr id="28" name="四角形: 角を丸くする 27">
+            <a:extLst>
+              <a:ext uri="{FF2B5EF4-FFF2-40B4-BE49-F238E27FC236}">
+                <a16:creationId xmlns:a16="http://schemas.microsoft.com/office/drawing/2014/main" id="{CD2EB0C4-4A5D-5E68-443C-CB07DA3DE2A1}"/>
+              </a:ext>
+            </a:extLst>
+          </p:cNvPr>
+          <p:cNvSpPr/>
+          <p:nvPr/>
+        </p:nvSpPr>
+        <p:spPr>
+          <a:xfrm>
+            <a:off x="295575" y="6443096"/>
+            <a:ext cx="4876237" cy="553321"/>
+          </a:xfrm>
+          <a:prstGeom prst="roundRect">
+            <a:avLst/>
+          </a:prstGeom>
+          <a:noFill/>
+          <a:ln w="19050">
+            <a:solidFill>
+              <a:srgbClr val="FF0000"/>
+            </a:solidFill>
+          </a:ln>
+        </p:spPr>
+        <p:style>
+          <a:lnRef idx="2">
+            <a:schemeClr val="accent1">
+              <a:shade val="50000"/>
+            </a:schemeClr>
+          </a:lnRef>
+          <a:fillRef idx="1">
+            <a:schemeClr val="accent1"/>
+          </a:fillRef>
+          <a:effectRef idx="0">
+            <a:schemeClr val="accent1"/>
+          </a:effectRef>
+          <a:fontRef idx="minor">
+            <a:schemeClr val="lt1"/>
+          </a:fontRef>
+        </p:style>
+        <p:txBody>
+          <a:bodyPr rtlCol="0" anchor="ctr"/>
+          <a:lstStyle/>
+          <a:p>
+            <a:pPr algn="ctr"/>
+            <a:endParaRPr kumimoji="1" lang="ja-JP" altLang="en-US"/>
+          </a:p>
+        </p:txBody>
+      </p:sp>
+      <p:sp>
+        <p:nvSpPr>
+          <p:cNvPr id="30" name="四角形: 角を丸くする 29">
+            <a:extLst>
+              <a:ext uri="{FF2B5EF4-FFF2-40B4-BE49-F238E27FC236}">
+                <a16:creationId xmlns:a16="http://schemas.microsoft.com/office/drawing/2014/main" id="{249CD0E0-7C23-E80D-F32A-EAB8FF9074CE}"/>
+              </a:ext>
+            </a:extLst>
+          </p:cNvPr>
+          <p:cNvSpPr/>
+          <p:nvPr/>
+        </p:nvSpPr>
+        <p:spPr>
+          <a:xfrm>
+            <a:off x="6154482" y="1831472"/>
+            <a:ext cx="4458666" cy="933131"/>
+          </a:xfrm>
+          <a:prstGeom prst="roundRect">
+            <a:avLst/>
+          </a:prstGeom>
+          <a:noFill/>
+          <a:ln w="19050">
+            <a:solidFill>
+              <a:srgbClr val="FF0000"/>
+            </a:solidFill>
+          </a:ln>
+        </p:spPr>
+        <p:style>
+          <a:lnRef idx="2">
+            <a:schemeClr val="accent1">
+              <a:shade val="50000"/>
+            </a:schemeClr>
+          </a:lnRef>
+          <a:fillRef idx="1">
+            <a:schemeClr val="accent1"/>
+          </a:fillRef>
+          <a:effectRef idx="0">
+            <a:schemeClr val="accent1"/>
+          </a:effectRef>
+          <a:fontRef idx="minor">
+            <a:schemeClr val="lt1"/>
+          </a:fontRef>
+        </p:style>
+        <p:txBody>
+          <a:bodyPr rtlCol="0" anchor="ctr"/>
+          <a:lstStyle/>
+          <a:p>
+            <a:pPr algn="ctr"/>
+            <a:endParaRPr kumimoji="1" lang="ja-JP" altLang="en-US"/>
+          </a:p>
+        </p:txBody>
+      </p:sp>
+      <p:sp>
+        <p:nvSpPr>
+          <p:cNvPr id="34" name="四角形: 角を丸くする 33">
+            <a:extLst>
+              <a:ext uri="{FF2B5EF4-FFF2-40B4-BE49-F238E27FC236}">
+                <a16:creationId xmlns:a16="http://schemas.microsoft.com/office/drawing/2014/main" id="{75CEF885-15ED-F9FB-C3BA-8F72E28889F7}"/>
+              </a:ext>
+            </a:extLst>
+          </p:cNvPr>
+          <p:cNvSpPr/>
+          <p:nvPr/>
+        </p:nvSpPr>
+        <p:spPr>
+          <a:xfrm>
+            <a:off x="10388915" y="4757024"/>
+            <a:ext cx="701845" cy="290905"/>
+          </a:xfrm>
+          <a:prstGeom prst="roundRect">
+            <a:avLst/>
+          </a:prstGeom>
+          <a:noFill/>
+          <a:ln w="19050">
+            <a:solidFill>
+              <a:srgbClr val="FF0000"/>
+            </a:solidFill>
+          </a:ln>
+        </p:spPr>
+        <p:style>
+          <a:lnRef idx="2">
+            <a:schemeClr val="accent1">
+              <a:shade val="50000"/>
+            </a:schemeClr>
+          </a:lnRef>
+          <a:fillRef idx="1">
+            <a:schemeClr val="accent1"/>
+          </a:fillRef>
+          <a:effectRef idx="0">
+            <a:schemeClr val="accent1"/>
+          </a:effectRef>
+          <a:fontRef idx="minor">
+            <a:schemeClr val="lt1"/>
+          </a:fontRef>
+        </p:style>
+        <p:txBody>
+          <a:bodyPr rtlCol="0" anchor="ctr"/>
+          <a:lstStyle/>
+          <a:p>
+            <a:pPr algn="ctr"/>
+            <a:endParaRPr kumimoji="1" lang="ja-JP" altLang="en-US"/>
+          </a:p>
+        </p:txBody>
+      </p:sp>
+      <p:sp>
+        <p:nvSpPr>
+          <p:cNvPr id="36" name="四角形: 角を丸くする 35">
+            <a:extLst>
+              <a:ext uri="{FF2B5EF4-FFF2-40B4-BE49-F238E27FC236}">
+                <a16:creationId xmlns:a16="http://schemas.microsoft.com/office/drawing/2014/main" id="{1D721E51-22BE-8855-039F-C0FFD7E29E08}"/>
+              </a:ext>
+            </a:extLst>
+          </p:cNvPr>
+          <p:cNvSpPr/>
+          <p:nvPr/>
+        </p:nvSpPr>
+        <p:spPr>
+          <a:xfrm>
+            <a:off x="6154482" y="6640858"/>
+            <a:ext cx="4847951" cy="835209"/>
+          </a:xfrm>
+          <a:prstGeom prst="roundRect">
+            <a:avLst>
+              <a:gd name="adj" fmla="val 10585"/>
+            </a:avLst>
+          </a:prstGeom>
+          <a:noFill/>
+          <a:ln w="19050">
+            <a:solidFill>
+              <a:srgbClr val="FF0000"/>
+            </a:solidFill>
+          </a:ln>
+        </p:spPr>
+        <p:style>
+          <a:lnRef idx="2">
+            <a:schemeClr val="accent1">
+              <a:shade val="50000"/>
+            </a:schemeClr>
+          </a:lnRef>
+          <a:fillRef idx="1">
+            <a:schemeClr val="accent1"/>
+          </a:fillRef>
+          <a:effectRef idx="0">
+            <a:schemeClr val="accent1"/>
+          </a:effectRef>
+          <a:fontRef idx="minor">
+            <a:schemeClr val="lt1"/>
+          </a:fontRef>
+        </p:style>
+        <p:txBody>
+          <a:bodyPr rtlCol="0" anchor="ctr"/>
+          <a:lstStyle/>
+          <a:p>
+            <a:pPr algn="ctr"/>
+            <a:endParaRPr kumimoji="1" lang="ja-JP" altLang="en-US"/>
+          </a:p>
+        </p:txBody>
+      </p:sp>
+    </p:spTree>
+    <p:extLst>
+      <p:ext uri="{BB962C8B-B14F-4D97-AF65-F5344CB8AC3E}">
+        <p14:creationId xmlns:p14="http://schemas.microsoft.com/office/powerpoint/2010/main" val="3567800776"/>
+      </p:ext>
+    </p:extLst>
+  </p:cSld>
+  <p:clrMapOvr>
+    <a:masterClrMapping/>
+  </p:clrMapOvr>
+</p:sld>
+</file>
+
+<file path=ppt/slides/slide9.xml><?xml version="1.0" encoding="utf-8"?>
+<p:sld xmlns:a="http://schemas.openxmlformats.org/drawingml/2006/main" xmlns:r="http://schemas.openxmlformats.org/officeDocument/2006/relationships" xmlns:p="http://schemas.openxmlformats.org/presentationml/2006/main">
+  <p:cSld>
+    <p:spTree>
+      <p:nvGrpSpPr>
+        <p:cNvPr id="1" name=""/>
+        <p:cNvGrpSpPr/>
+        <p:nvPr/>
+      </p:nvGrpSpPr>
+      <p:grpSpPr>
+        <a:xfrm>
+          <a:off x="0" y="0"/>
+          <a:ext cx="0" cy="0"/>
+          <a:chOff x="0" y="0"/>
+          <a:chExt cx="0" cy="0"/>
+        </a:xfrm>
+      </p:grpSpPr>
+      <p:pic>
+        <p:nvPicPr>
+          <p:cNvPr id="13" name="図 12">
+            <a:extLst>
+              <a:ext uri="{FF2B5EF4-FFF2-40B4-BE49-F238E27FC236}">
+                <a16:creationId xmlns:a16="http://schemas.microsoft.com/office/drawing/2014/main" id="{9AF45C00-A874-7AD9-69DF-16F799DCA954}"/>
+              </a:ext>
+            </a:extLst>
+          </p:cNvPr>
+          <p:cNvPicPr>
+            <a:picLocks noChangeAspect="1"/>
+          </p:cNvPicPr>
+          <p:nvPr/>
+        </p:nvPicPr>
+        <p:blipFill>
+          <a:blip r:embed="rId2"/>
+          <a:stretch>
+            <a:fillRect/>
+          </a:stretch>
+        </p:blipFill>
+        <p:spPr>
+          <a:xfrm>
+            <a:off x="1071305" y="548549"/>
+            <a:ext cx="10049389" cy="5667768"/>
+          </a:xfrm>
+          <a:prstGeom prst="rect">
+            <a:avLst/>
+          </a:prstGeom>
+          <a:ln>
+            <a:noFill/>
+          </a:ln>
+          <a:effectLst>
+            <a:outerShdw blurRad="292100" dist="139700" dir="2700000" algn="tl" rotWithShape="0">
+              <a:srgbClr val="333333">
+                <a:alpha val="65000"/>
+              </a:srgbClr>
+            </a:outerShdw>
+          </a:effectLst>
+        </p:spPr>
+      </p:pic>
+      <p:sp>
+        <p:nvSpPr>
+          <p:cNvPr id="15" name="四角形: 角を丸くする 14">
+            <a:extLst>
+              <a:ext uri="{FF2B5EF4-FFF2-40B4-BE49-F238E27FC236}">
+                <a16:creationId xmlns:a16="http://schemas.microsoft.com/office/drawing/2014/main" id="{8406A179-F37D-6F87-A7D7-005AFC2391B2}"/>
+              </a:ext>
+            </a:extLst>
+          </p:cNvPr>
+          <p:cNvSpPr/>
+          <p:nvPr/>
+        </p:nvSpPr>
+        <p:spPr>
+          <a:xfrm>
+            <a:off x="2343171" y="1087058"/>
+            <a:ext cx="580037" cy="290905"/>
+          </a:xfrm>
+          <a:prstGeom prst="roundRect">
+            <a:avLst/>
+          </a:prstGeom>
+          <a:noFill/>
+          <a:ln w="19050">
+            <a:solidFill>
+              <a:srgbClr val="FF0000"/>
+            </a:solidFill>
+          </a:ln>
+        </p:spPr>
+        <p:style>
+          <a:lnRef idx="2">
+            <a:schemeClr val="accent1">
+              <a:shade val="50000"/>
+            </a:schemeClr>
+          </a:lnRef>
+          <a:fillRef idx="1">
+            <a:schemeClr val="accent1"/>
+          </a:fillRef>
+          <a:effectRef idx="0">
+            <a:schemeClr val="accent1"/>
+          </a:effectRef>
+          <a:fontRef idx="minor">
+            <a:schemeClr val="lt1"/>
+          </a:fontRef>
+        </p:style>
+        <p:txBody>
+          <a:bodyPr rtlCol="0" anchor="ctr"/>
+          <a:lstStyle/>
+          <a:p>
+            <a:pPr algn="ctr"/>
+            <a:endParaRPr kumimoji="1" lang="ja-JP" altLang="en-US"/>
+          </a:p>
+        </p:txBody>
+      </p:sp>
+    </p:spTree>
+    <p:extLst>
+      <p:ext uri="{BB962C8B-B14F-4D97-AF65-F5344CB8AC3E}">
+        <p14:creationId xmlns:p14="http://schemas.microsoft.com/office/powerpoint/2010/main" val="4197456712"/>
+      </p:ext>
+    </p:extLst>
+  </p:cSld>
+  <p:clrMapOvr>
+    <a:masterClrMapping/>
+  </p:clrMapOvr>
+</p:sld>
+</file>
+
 <file path=ppt/theme/theme1.xml><?xml version="1.0" encoding="utf-8"?>
 <a:theme xmlns:a="http://schemas.openxmlformats.org/drawingml/2006/main" name="Office テーマ">
   <a:themeElements>

--- a/azure-load-testing-trial/images/figures.pptx
+++ b/azure-load-testing-trial/images/figures.pptx
@@ -6082,13 +6082,8 @@
             <a:pPr algn="ctr"/>
             <a:r>
               <a:rPr kumimoji="1" lang="ja-JP" altLang="en-US" sz="900" dirty="0"/>
-              <a:t>指定した全てのクライテリアを満たして</a:t>
-            </a:r>
-            <a:r>
-              <a:rPr kumimoji="1" lang="ja-JP" altLang="en-US" sz="900"/>
-              <a:t>している</a:t>
-            </a:r>
-            <a:endParaRPr kumimoji="1" lang="ja-JP" altLang="en-US" sz="900" dirty="0"/>
+              <a:t>指定した全てのクライテリアを満たしてしている</a:t>
+            </a:r>
           </a:p>
         </p:txBody>
       </p:sp>
@@ -6141,6 +6136,244 @@
           <a:p>
             <a:pPr algn="ctr"/>
             <a:endParaRPr kumimoji="1" lang="ja-JP" altLang="en-US"/>
+          </a:p>
+        </p:txBody>
+      </p:sp>
+      <p:sp>
+        <p:nvSpPr>
+          <p:cNvPr id="12" name="四角形: 角を丸くする 11">
+            <a:extLst>
+              <a:ext uri="{FF2B5EF4-FFF2-40B4-BE49-F238E27FC236}">
+                <a16:creationId xmlns:a16="http://schemas.microsoft.com/office/drawing/2014/main" id="{E7B8129A-E195-B916-9BE0-38188CD657C3}"/>
+              </a:ext>
+            </a:extLst>
+          </p:cNvPr>
+          <p:cNvSpPr/>
+          <p:nvPr/>
+        </p:nvSpPr>
+        <p:spPr>
+          <a:xfrm>
+            <a:off x="678017" y="6078991"/>
+            <a:ext cx="3220883" cy="532641"/>
+          </a:xfrm>
+          <a:prstGeom prst="roundRect">
+            <a:avLst/>
+          </a:prstGeom>
+          <a:noFill/>
+          <a:ln w="19050">
+            <a:solidFill>
+              <a:srgbClr val="FF0000"/>
+            </a:solidFill>
+          </a:ln>
+        </p:spPr>
+        <p:style>
+          <a:lnRef idx="2">
+            <a:schemeClr val="accent1">
+              <a:shade val="50000"/>
+            </a:schemeClr>
+          </a:lnRef>
+          <a:fillRef idx="1">
+            <a:schemeClr val="accent1"/>
+          </a:fillRef>
+          <a:effectRef idx="0">
+            <a:schemeClr val="accent1"/>
+          </a:effectRef>
+          <a:fontRef idx="minor">
+            <a:schemeClr val="lt1"/>
+          </a:fontRef>
+        </p:style>
+        <p:txBody>
+          <a:bodyPr rtlCol="0" anchor="ctr"/>
+          <a:lstStyle/>
+          <a:p>
+            <a:pPr algn="ctr"/>
+            <a:endParaRPr kumimoji="1" lang="ja-JP" altLang="en-US"/>
+          </a:p>
+        </p:txBody>
+      </p:sp>
+      <p:sp>
+        <p:nvSpPr>
+          <p:cNvPr id="14" name="四角形: 角を丸くする 13">
+            <a:extLst>
+              <a:ext uri="{FF2B5EF4-FFF2-40B4-BE49-F238E27FC236}">
+                <a16:creationId xmlns:a16="http://schemas.microsoft.com/office/drawing/2014/main" id="{249CBE75-7645-70CD-C6F6-95A6CD7A45E0}"/>
+              </a:ext>
+            </a:extLst>
+          </p:cNvPr>
+          <p:cNvSpPr/>
+          <p:nvPr/>
+        </p:nvSpPr>
+        <p:spPr>
+          <a:xfrm>
+            <a:off x="737283" y="3081444"/>
+            <a:ext cx="10667317" cy="2802889"/>
+          </a:xfrm>
+          <a:prstGeom prst="roundRect">
+            <a:avLst>
+              <a:gd name="adj" fmla="val 6125"/>
+            </a:avLst>
+          </a:prstGeom>
+          <a:noFill/>
+          <a:ln w="19050">
+            <a:solidFill>
+              <a:srgbClr val="FF0000"/>
+            </a:solidFill>
+          </a:ln>
+        </p:spPr>
+        <p:style>
+          <a:lnRef idx="2">
+            <a:schemeClr val="accent1">
+              <a:shade val="50000"/>
+            </a:schemeClr>
+          </a:lnRef>
+          <a:fillRef idx="1">
+            <a:schemeClr val="accent1"/>
+          </a:fillRef>
+          <a:effectRef idx="0">
+            <a:schemeClr val="accent1"/>
+          </a:effectRef>
+          <a:fontRef idx="minor">
+            <a:schemeClr val="lt1"/>
+          </a:fontRef>
+        </p:style>
+        <p:txBody>
+          <a:bodyPr rtlCol="0" anchor="ctr"/>
+          <a:lstStyle/>
+          <a:p>
+            <a:pPr algn="ctr"/>
+            <a:endParaRPr kumimoji="1" lang="ja-JP" altLang="en-US"/>
+          </a:p>
+        </p:txBody>
+      </p:sp>
+      <p:sp>
+        <p:nvSpPr>
+          <p:cNvPr id="16" name="吹き出し: 角を丸めた四角形 15">
+            <a:extLst>
+              <a:ext uri="{FF2B5EF4-FFF2-40B4-BE49-F238E27FC236}">
+                <a16:creationId xmlns:a16="http://schemas.microsoft.com/office/drawing/2014/main" id="{22A7EB97-4281-BA66-D464-1EEEB78C7581}"/>
+              </a:ext>
+            </a:extLst>
+          </p:cNvPr>
+          <p:cNvSpPr/>
+          <p:nvPr/>
+        </p:nvSpPr>
+        <p:spPr>
+          <a:xfrm>
+            <a:off x="8768301" y="5664013"/>
+            <a:ext cx="1997066" cy="505999"/>
+          </a:xfrm>
+          <a:prstGeom prst="wedgeRoundRectCallout">
+            <a:avLst>
+              <a:gd name="adj1" fmla="val -68073"/>
+              <a:gd name="adj2" fmla="val -50524"/>
+              <a:gd name="adj3" fmla="val 16667"/>
+            </a:avLst>
+          </a:prstGeom>
+        </p:spPr>
+        <p:style>
+          <a:lnRef idx="1">
+            <a:schemeClr val="accent2"/>
+          </a:lnRef>
+          <a:fillRef idx="2">
+            <a:schemeClr val="accent2"/>
+          </a:fillRef>
+          <a:effectRef idx="1">
+            <a:schemeClr val="accent2"/>
+          </a:effectRef>
+          <a:fontRef idx="minor">
+            <a:schemeClr val="dk1"/>
+          </a:fontRef>
+        </p:style>
+        <p:txBody>
+          <a:bodyPr rtlCol="0" anchor="ctr"/>
+          <a:lstStyle/>
+          <a:p>
+            <a:pPr algn="ctr"/>
+            <a:r>
+              <a:rPr kumimoji="1" lang="en-US" altLang="ja-JP" sz="900" dirty="0"/>
+              <a:t>JMeter </a:t>
+            </a:r>
+            <a:r>
+              <a:rPr kumimoji="1" lang="ja-JP" altLang="en-US" sz="900" dirty="0"/>
+              <a:t>側で取れるメトリック</a:t>
+            </a:r>
+            <a:r>
+              <a:rPr kumimoji="1" lang="en-US" altLang="ja-JP" sz="900" dirty="0"/>
+              <a:t>(TTLB </a:t>
+            </a:r>
+            <a:r>
+              <a:rPr kumimoji="1" lang="ja-JP" altLang="en-US" sz="900" dirty="0"/>
+              <a:t>や </a:t>
+            </a:r>
+            <a:r>
+              <a:rPr kumimoji="1" lang="en-US" altLang="ja-JP" sz="900" dirty="0"/>
+              <a:t>RPS)</a:t>
+            </a:r>
+            <a:r>
+              <a:rPr kumimoji="1" lang="ja-JP" altLang="en-US" sz="900" dirty="0"/>
+              <a:t>しか表示されない</a:t>
+            </a:r>
+            <a:endParaRPr kumimoji="1" lang="en-US" altLang="ja-JP" sz="900" dirty="0"/>
+          </a:p>
+        </p:txBody>
+      </p:sp>
+      <p:sp>
+        <p:nvSpPr>
+          <p:cNvPr id="18" name="吹き出し: 角を丸めた四角形 17">
+            <a:extLst>
+              <a:ext uri="{FF2B5EF4-FFF2-40B4-BE49-F238E27FC236}">
+                <a16:creationId xmlns:a16="http://schemas.microsoft.com/office/drawing/2014/main" id="{4F5FD923-62E7-4388-D133-BAFBB0A1F0C4}"/>
+              </a:ext>
+            </a:extLst>
+          </p:cNvPr>
+          <p:cNvSpPr/>
+          <p:nvPr/>
+        </p:nvSpPr>
+        <p:spPr>
+          <a:xfrm>
+            <a:off x="4145501" y="6183113"/>
+            <a:ext cx="2310332" cy="505999"/>
+          </a:xfrm>
+          <a:prstGeom prst="wedgeRoundRectCallout">
+            <a:avLst>
+              <a:gd name="adj1" fmla="val -68073"/>
+              <a:gd name="adj2" fmla="val -50524"/>
+              <a:gd name="adj3" fmla="val 16667"/>
+            </a:avLst>
+          </a:prstGeom>
+        </p:spPr>
+        <p:style>
+          <a:lnRef idx="1">
+            <a:schemeClr val="accent2"/>
+          </a:lnRef>
+          <a:fillRef idx="2">
+            <a:schemeClr val="accent2"/>
+          </a:fillRef>
+          <a:effectRef idx="1">
+            <a:schemeClr val="accent2"/>
+          </a:effectRef>
+          <a:fontRef idx="minor">
+            <a:schemeClr val="dk1"/>
+          </a:fontRef>
+        </p:style>
+        <p:txBody>
+          <a:bodyPr rtlCol="0" anchor="ctr"/>
+          <a:lstStyle/>
+          <a:p>
+            <a:pPr algn="ctr"/>
+            <a:r>
+              <a:rPr kumimoji="1" lang="ja-JP" altLang="en-US" sz="900" dirty="0"/>
+              <a:t>性能テストでは対象システム側のメトリック（</a:t>
+            </a:r>
+            <a:r>
+              <a:rPr kumimoji="1" lang="en-US" altLang="ja-JP" sz="900" dirty="0"/>
+              <a:t>CPU</a:t>
+            </a:r>
+            <a:r>
+              <a:rPr kumimoji="1" lang="ja-JP" altLang="en-US" sz="900" dirty="0"/>
+              <a:t>使用率など）が欲しい</a:t>
+            </a:r>
+            <a:endParaRPr kumimoji="1" lang="en-US" altLang="ja-JP" sz="900" dirty="0"/>
           </a:p>
         </p:txBody>
       </p:sp>

--- a/azure-load-testing-trial/images/figures.pptx
+++ b/azure-load-testing-trial/images/figures.pptx
@@ -15,6 +15,9 @@
     <p:sldId id="264" r:id="rId9"/>
     <p:sldId id="263" r:id="rId10"/>
     <p:sldId id="265" r:id="rId11"/>
+    <p:sldId id="266" r:id="rId12"/>
+    <p:sldId id="267" r:id="rId13"/>
+    <p:sldId id="268" r:id="rId14"/>
   </p:sldIdLst>
   <p:sldSz cx="12192000" cy="6858000"/>
   <p:notesSz cx="6858000" cy="9144000"/>
@@ -268,7 +271,7 @@
           <a:p>
             <a:fld id="{D6E928D6-0A66-495C-9C59-2A9C39673BCD}" type="datetimeFigureOut">
               <a:rPr kumimoji="1" lang="ja-JP" altLang="en-US" smtClean="0"/>
-              <a:t>2022/5/16</a:t>
+              <a:t>2022/5/17</a:t>
             </a:fld>
             <a:endParaRPr kumimoji="1" lang="ja-JP" altLang="en-US"/>
           </a:p>
@@ -498,7 +501,7 @@
           <a:p>
             <a:fld id="{D6E928D6-0A66-495C-9C59-2A9C39673BCD}" type="datetimeFigureOut">
               <a:rPr kumimoji="1" lang="ja-JP" altLang="en-US" smtClean="0"/>
-              <a:t>2022/5/16</a:t>
+              <a:t>2022/5/17</a:t>
             </a:fld>
             <a:endParaRPr kumimoji="1" lang="ja-JP" altLang="en-US"/>
           </a:p>
@@ -738,7 +741,7 @@
           <a:p>
             <a:fld id="{D6E928D6-0A66-495C-9C59-2A9C39673BCD}" type="datetimeFigureOut">
               <a:rPr kumimoji="1" lang="ja-JP" altLang="en-US" smtClean="0"/>
-              <a:t>2022/5/16</a:t>
+              <a:t>2022/5/17</a:t>
             </a:fld>
             <a:endParaRPr kumimoji="1" lang="ja-JP" altLang="en-US"/>
           </a:p>
@@ -968,7 +971,7 @@
           <a:p>
             <a:fld id="{D6E928D6-0A66-495C-9C59-2A9C39673BCD}" type="datetimeFigureOut">
               <a:rPr kumimoji="1" lang="ja-JP" altLang="en-US" smtClean="0"/>
-              <a:t>2022/5/16</a:t>
+              <a:t>2022/5/17</a:t>
             </a:fld>
             <a:endParaRPr kumimoji="1" lang="ja-JP" altLang="en-US"/>
           </a:p>
@@ -1243,7 +1246,7 @@
           <a:p>
             <a:fld id="{D6E928D6-0A66-495C-9C59-2A9C39673BCD}" type="datetimeFigureOut">
               <a:rPr kumimoji="1" lang="ja-JP" altLang="en-US" smtClean="0"/>
-              <a:t>2022/5/16</a:t>
+              <a:t>2022/5/17</a:t>
             </a:fld>
             <a:endParaRPr kumimoji="1" lang="ja-JP" altLang="en-US"/>
           </a:p>
@@ -1572,7 +1575,7 @@
           <a:p>
             <a:fld id="{D6E928D6-0A66-495C-9C59-2A9C39673BCD}" type="datetimeFigureOut">
               <a:rPr kumimoji="1" lang="ja-JP" altLang="en-US" smtClean="0"/>
-              <a:t>2022/5/16</a:t>
+              <a:t>2022/5/17</a:t>
             </a:fld>
             <a:endParaRPr kumimoji="1" lang="ja-JP" altLang="en-US"/>
           </a:p>
@@ -2048,7 +2051,7 @@
           <a:p>
             <a:fld id="{D6E928D6-0A66-495C-9C59-2A9C39673BCD}" type="datetimeFigureOut">
               <a:rPr kumimoji="1" lang="ja-JP" altLang="en-US" smtClean="0"/>
-              <a:t>2022/5/16</a:t>
+              <a:t>2022/5/17</a:t>
             </a:fld>
             <a:endParaRPr kumimoji="1" lang="ja-JP" altLang="en-US"/>
           </a:p>
@@ -2189,7 +2192,7 @@
           <a:p>
             <a:fld id="{D6E928D6-0A66-495C-9C59-2A9C39673BCD}" type="datetimeFigureOut">
               <a:rPr kumimoji="1" lang="ja-JP" altLang="en-US" smtClean="0"/>
-              <a:t>2022/5/16</a:t>
+              <a:t>2022/5/17</a:t>
             </a:fld>
             <a:endParaRPr kumimoji="1" lang="ja-JP" altLang="en-US"/>
           </a:p>
@@ -2302,7 +2305,7 @@
           <a:p>
             <a:fld id="{D6E928D6-0A66-495C-9C59-2A9C39673BCD}" type="datetimeFigureOut">
               <a:rPr kumimoji="1" lang="ja-JP" altLang="en-US" smtClean="0"/>
-              <a:t>2022/5/16</a:t>
+              <a:t>2022/5/17</a:t>
             </a:fld>
             <a:endParaRPr kumimoji="1" lang="ja-JP" altLang="en-US"/>
           </a:p>
@@ -2645,7 +2648,7 @@
           <a:p>
             <a:fld id="{D6E928D6-0A66-495C-9C59-2A9C39673BCD}" type="datetimeFigureOut">
               <a:rPr kumimoji="1" lang="ja-JP" altLang="en-US" smtClean="0"/>
-              <a:t>2022/5/16</a:t>
+              <a:t>2022/5/17</a:t>
             </a:fld>
             <a:endParaRPr kumimoji="1" lang="ja-JP" altLang="en-US"/>
           </a:p>
@@ -2933,7 +2936,7 @@
           <a:p>
             <a:fld id="{D6E928D6-0A66-495C-9C59-2A9C39673BCD}" type="datetimeFigureOut">
               <a:rPr kumimoji="1" lang="ja-JP" altLang="en-US" smtClean="0"/>
-              <a:t>2022/5/16</a:t>
+              <a:t>2022/5/17</a:t>
             </a:fld>
             <a:endParaRPr kumimoji="1" lang="ja-JP" altLang="en-US"/>
           </a:p>
@@ -3206,7 +3209,7 @@
           <a:p>
             <a:fld id="{D6E928D6-0A66-495C-9C59-2A9C39673BCD}" type="datetimeFigureOut">
               <a:rPr kumimoji="1" lang="ja-JP" altLang="en-US" smtClean="0"/>
-              <a:t>2022/5/16</a:t>
+              <a:t>2022/5/17</a:t>
             </a:fld>
             <a:endParaRPr kumimoji="1" lang="ja-JP" altLang="en-US"/>
           </a:p>
@@ -6390,6 +6393,1491 @@
 </p:sld>
 </file>
 
+<file path=ppt/slides/slide11.xml><?xml version="1.0" encoding="utf-8"?>
+<p:sld xmlns:a="http://schemas.openxmlformats.org/drawingml/2006/main" xmlns:r="http://schemas.openxmlformats.org/officeDocument/2006/relationships" xmlns:p="http://schemas.openxmlformats.org/presentationml/2006/main">
+  <p:cSld>
+    <p:spTree>
+      <p:nvGrpSpPr>
+        <p:cNvPr id="1" name=""/>
+        <p:cNvGrpSpPr/>
+        <p:nvPr/>
+      </p:nvGrpSpPr>
+      <p:grpSpPr>
+        <a:xfrm>
+          <a:off x="0" y="0"/>
+          <a:ext cx="0" cy="0"/>
+          <a:chOff x="0" y="0"/>
+          <a:chExt cx="0" cy="0"/>
+        </a:xfrm>
+      </p:grpSpPr>
+      <p:pic>
+        <p:nvPicPr>
+          <p:cNvPr id="3" name="図 2">
+            <a:extLst>
+              <a:ext uri="{FF2B5EF4-FFF2-40B4-BE49-F238E27FC236}">
+                <a16:creationId xmlns:a16="http://schemas.microsoft.com/office/drawing/2014/main" id="{D5A0B665-35BE-658D-5B2E-8441C190E56D}"/>
+              </a:ext>
+            </a:extLst>
+          </p:cNvPr>
+          <p:cNvPicPr>
+            <a:picLocks noChangeAspect="1"/>
+          </p:cNvPicPr>
+          <p:nvPr/>
+        </p:nvPicPr>
+        <p:blipFill>
+          <a:blip r:embed="rId2"/>
+          <a:stretch>
+            <a:fillRect/>
+          </a:stretch>
+        </p:blipFill>
+        <p:spPr>
+          <a:xfrm>
+            <a:off x="524073" y="457430"/>
+            <a:ext cx="9157171" cy="5232669"/>
+          </a:xfrm>
+          <a:prstGeom prst="rect">
+            <a:avLst/>
+          </a:prstGeom>
+          <a:ln>
+            <a:noFill/>
+          </a:ln>
+          <a:effectLst>
+            <a:outerShdw blurRad="292100" dist="139700" dir="2700000" algn="tl" rotWithShape="0">
+              <a:srgbClr val="333333">
+                <a:alpha val="65000"/>
+              </a:srgbClr>
+            </a:outerShdw>
+          </a:effectLst>
+        </p:spPr>
+      </p:pic>
+    </p:spTree>
+    <p:extLst>
+      <p:ext uri="{BB962C8B-B14F-4D97-AF65-F5344CB8AC3E}">
+        <p14:creationId xmlns:p14="http://schemas.microsoft.com/office/powerpoint/2010/main" val="3627479456"/>
+      </p:ext>
+    </p:extLst>
+  </p:cSld>
+  <p:clrMapOvr>
+    <a:masterClrMapping/>
+  </p:clrMapOvr>
+</p:sld>
+</file>
+
+<file path=ppt/slides/slide12.xml><?xml version="1.0" encoding="utf-8"?>
+<p:sld xmlns:a="http://schemas.openxmlformats.org/drawingml/2006/main" xmlns:r="http://schemas.openxmlformats.org/officeDocument/2006/relationships" xmlns:p="http://schemas.openxmlformats.org/presentationml/2006/main">
+  <p:cSld>
+    <p:spTree>
+      <p:nvGrpSpPr>
+        <p:cNvPr id="1" name=""/>
+        <p:cNvGrpSpPr/>
+        <p:nvPr/>
+      </p:nvGrpSpPr>
+      <p:grpSpPr>
+        <a:xfrm>
+          <a:off x="0" y="0"/>
+          <a:ext cx="0" cy="0"/>
+          <a:chOff x="0" y="0"/>
+          <a:chExt cx="0" cy="0"/>
+        </a:xfrm>
+      </p:grpSpPr>
+      <p:sp>
+        <p:nvSpPr>
+          <p:cNvPr id="219" name="四角形: 角を丸くする 218">
+            <a:extLst>
+              <a:ext uri="{FF2B5EF4-FFF2-40B4-BE49-F238E27FC236}">
+                <a16:creationId xmlns:a16="http://schemas.microsoft.com/office/drawing/2014/main" id="{78A3B87F-27CA-64AA-AD67-1CDFA60890D8}"/>
+              </a:ext>
+            </a:extLst>
+          </p:cNvPr>
+          <p:cNvSpPr/>
+          <p:nvPr/>
+        </p:nvSpPr>
+        <p:spPr>
+          <a:xfrm>
+            <a:off x="7000200" y="958282"/>
+            <a:ext cx="4196443" cy="2672883"/>
+          </a:xfrm>
+          <a:prstGeom prst="roundRect">
+            <a:avLst>
+              <a:gd name="adj" fmla="val 10088"/>
+            </a:avLst>
+          </a:prstGeom>
+        </p:spPr>
+        <p:style>
+          <a:lnRef idx="2">
+            <a:schemeClr val="accent1"/>
+          </a:lnRef>
+          <a:fillRef idx="1">
+            <a:schemeClr val="lt1"/>
+          </a:fillRef>
+          <a:effectRef idx="0">
+            <a:schemeClr val="accent1"/>
+          </a:effectRef>
+          <a:fontRef idx="minor">
+            <a:schemeClr val="dk1"/>
+          </a:fontRef>
+        </p:style>
+        <p:txBody>
+          <a:bodyPr rtlCol="0" anchor="ctr"/>
+          <a:lstStyle/>
+          <a:p>
+            <a:pPr algn="ctr"/>
+            <a:endParaRPr kumimoji="1" lang="ja-JP" altLang="en-US"/>
+          </a:p>
+        </p:txBody>
+      </p:sp>
+      <p:sp>
+        <p:nvSpPr>
+          <p:cNvPr id="5" name="テキスト ボックス 4">
+            <a:extLst>
+              <a:ext uri="{FF2B5EF4-FFF2-40B4-BE49-F238E27FC236}">
+                <a16:creationId xmlns:a16="http://schemas.microsoft.com/office/drawing/2014/main" id="{569AE263-023D-0D8F-F9AB-BCCC144CEC11}"/>
+              </a:ext>
+            </a:extLst>
+          </p:cNvPr>
+          <p:cNvSpPr txBox="1"/>
+          <p:nvPr/>
+        </p:nvSpPr>
+        <p:spPr>
+          <a:xfrm>
+            <a:off x="3332754" y="1659222"/>
+            <a:ext cx="1787669" cy="307777"/>
+          </a:xfrm>
+          <a:prstGeom prst="rect">
+            <a:avLst/>
+          </a:prstGeom>
+          <a:noFill/>
+        </p:spPr>
+        <p:txBody>
+          <a:bodyPr wrap="none" rtlCol="0">
+            <a:spAutoFit/>
+          </a:bodyPr>
+          <a:lstStyle/>
+          <a:p>
+            <a:r>
+              <a:rPr lang="en-US" altLang="ja-JP" sz="1400" dirty="0"/>
+              <a:t>Azure Load</a:t>
+            </a:r>
+            <a:r>
+              <a:rPr lang="ja-JP" altLang="en-US" sz="1400"/>
+              <a:t> </a:t>
+            </a:r>
+            <a:r>
+              <a:rPr lang="en-US" altLang="ja-JP" sz="1400" dirty="0"/>
+              <a:t>Testing</a:t>
+            </a:r>
+            <a:endParaRPr kumimoji="1" lang="ja-JP" altLang="en-US" sz="1400"/>
+          </a:p>
+        </p:txBody>
+      </p:sp>
+      <p:pic>
+        <p:nvPicPr>
+          <p:cNvPr id="83" name="グラフィックス 82">
+            <a:extLst>
+              <a:ext uri="{FF2B5EF4-FFF2-40B4-BE49-F238E27FC236}">
+                <a16:creationId xmlns:a16="http://schemas.microsoft.com/office/drawing/2014/main" id="{A874C4E4-2EDB-3126-1035-124B0D2A333F}"/>
+              </a:ext>
+            </a:extLst>
+          </p:cNvPr>
+          <p:cNvPicPr>
+            <a:picLocks noChangeAspect="1"/>
+          </p:cNvPicPr>
+          <p:nvPr/>
+        </p:nvPicPr>
+        <p:blipFill>
+          <a:blip r:embed="rId2">
+            <a:extLst>
+              <a:ext uri="{28A0092B-C50C-407E-A947-70E740481C1C}">
+                <a14:useLocalDpi xmlns:a14="http://schemas.microsoft.com/office/drawing/2010/main" val="0"/>
+              </a:ext>
+              <a:ext uri="{96DAC541-7B7A-43D3-8B79-37D633B846F1}">
+                <asvg:svgBlip xmlns:asvg="http://schemas.microsoft.com/office/drawing/2016/SVG/main" r:embed="rId3"/>
+              </a:ext>
+            </a:extLst>
+          </a:blip>
+          <a:stretch>
+            <a:fillRect/>
+          </a:stretch>
+        </p:blipFill>
+        <p:spPr>
+          <a:xfrm>
+            <a:off x="7527150" y="2033615"/>
+            <a:ext cx="834496" cy="834496"/>
+          </a:xfrm>
+          <a:prstGeom prst="rect">
+            <a:avLst/>
+          </a:prstGeom>
+        </p:spPr>
+      </p:pic>
+      <p:cxnSp>
+        <p:nvCxnSpPr>
+          <p:cNvPr id="85" name="直線矢印コネクタ 84">
+            <a:extLst>
+              <a:ext uri="{FF2B5EF4-FFF2-40B4-BE49-F238E27FC236}">
+                <a16:creationId xmlns:a16="http://schemas.microsoft.com/office/drawing/2014/main" id="{FB73E788-D96E-5A82-F3FD-255DC66A4718}"/>
+              </a:ext>
+            </a:extLst>
+          </p:cNvPr>
+          <p:cNvCxnSpPr>
+            <a:cxnSpLocks/>
+          </p:cNvCxnSpPr>
+          <p:nvPr/>
+        </p:nvCxnSpPr>
+        <p:spPr>
+          <a:xfrm flipV="1">
+            <a:off x="5262815" y="1936264"/>
+            <a:ext cx="1519701" cy="1532"/>
+          </a:xfrm>
+          <a:prstGeom prst="straightConnector1">
+            <a:avLst/>
+          </a:prstGeom>
+          <a:ln w="28575">
+            <a:prstDash val="solid"/>
+            <a:headEnd type="none" w="med" len="med"/>
+            <a:tailEnd type="arrow" w="med" len="med"/>
+          </a:ln>
+          <a:effectLst>
+            <a:outerShdw blurRad="50800" dist="38100" dir="2700000" algn="tl" rotWithShape="0">
+              <a:prstClr val="black">
+                <a:alpha val="40000"/>
+              </a:prstClr>
+            </a:outerShdw>
+          </a:effectLst>
+        </p:spPr>
+        <p:style>
+          <a:lnRef idx="1">
+            <a:schemeClr val="dk1"/>
+          </a:lnRef>
+          <a:fillRef idx="0">
+            <a:schemeClr val="dk1"/>
+          </a:fillRef>
+          <a:effectRef idx="0">
+            <a:schemeClr val="dk1"/>
+          </a:effectRef>
+          <a:fontRef idx="minor">
+            <a:schemeClr val="tx1"/>
+          </a:fontRef>
+        </p:style>
+      </p:cxnSp>
+      <p:cxnSp>
+        <p:nvCxnSpPr>
+          <p:cNvPr id="87" name="直線矢印コネクタ 86">
+            <a:extLst>
+              <a:ext uri="{FF2B5EF4-FFF2-40B4-BE49-F238E27FC236}">
+                <a16:creationId xmlns:a16="http://schemas.microsoft.com/office/drawing/2014/main" id="{BAC849F2-0682-7506-35B9-85A6A3D4C21F}"/>
+              </a:ext>
+            </a:extLst>
+          </p:cNvPr>
+          <p:cNvCxnSpPr>
+            <a:cxnSpLocks/>
+          </p:cNvCxnSpPr>
+          <p:nvPr/>
+        </p:nvCxnSpPr>
+        <p:spPr>
+          <a:xfrm flipV="1">
+            <a:off x="5415215" y="2088664"/>
+            <a:ext cx="1519701" cy="1532"/>
+          </a:xfrm>
+          <a:prstGeom prst="straightConnector1">
+            <a:avLst/>
+          </a:prstGeom>
+          <a:ln w="28575">
+            <a:prstDash val="solid"/>
+            <a:headEnd type="none" w="med" len="med"/>
+            <a:tailEnd type="arrow" w="med" len="med"/>
+          </a:ln>
+          <a:effectLst>
+            <a:outerShdw blurRad="50800" dist="38100" dir="2700000" algn="tl" rotWithShape="0">
+              <a:prstClr val="black">
+                <a:alpha val="40000"/>
+              </a:prstClr>
+            </a:outerShdw>
+          </a:effectLst>
+        </p:spPr>
+        <p:style>
+          <a:lnRef idx="1">
+            <a:schemeClr val="dk1"/>
+          </a:lnRef>
+          <a:fillRef idx="0">
+            <a:schemeClr val="dk1"/>
+          </a:fillRef>
+          <a:effectRef idx="0">
+            <a:schemeClr val="dk1"/>
+          </a:effectRef>
+          <a:fontRef idx="minor">
+            <a:schemeClr val="tx1"/>
+          </a:fontRef>
+        </p:style>
+      </p:cxnSp>
+      <p:cxnSp>
+        <p:nvCxnSpPr>
+          <p:cNvPr id="89" name="直線矢印コネクタ 88">
+            <a:extLst>
+              <a:ext uri="{FF2B5EF4-FFF2-40B4-BE49-F238E27FC236}">
+                <a16:creationId xmlns:a16="http://schemas.microsoft.com/office/drawing/2014/main" id="{1E6BAB24-8310-91B7-9098-411863F774FE}"/>
+              </a:ext>
+            </a:extLst>
+          </p:cNvPr>
+          <p:cNvCxnSpPr>
+            <a:cxnSpLocks/>
+          </p:cNvCxnSpPr>
+          <p:nvPr/>
+        </p:nvCxnSpPr>
+        <p:spPr>
+          <a:xfrm flipV="1">
+            <a:off x="5262813" y="2230179"/>
+            <a:ext cx="1519701" cy="1532"/>
+          </a:xfrm>
+          <a:prstGeom prst="straightConnector1">
+            <a:avLst/>
+          </a:prstGeom>
+          <a:ln w="28575">
+            <a:prstDash val="solid"/>
+            <a:headEnd type="none" w="med" len="med"/>
+            <a:tailEnd type="arrow" w="med" len="med"/>
+          </a:ln>
+          <a:effectLst>
+            <a:outerShdw blurRad="50800" dist="38100" dir="2700000" algn="tl" rotWithShape="0">
+              <a:prstClr val="black">
+                <a:alpha val="40000"/>
+              </a:prstClr>
+            </a:outerShdw>
+          </a:effectLst>
+        </p:spPr>
+        <p:style>
+          <a:lnRef idx="1">
+            <a:schemeClr val="dk1"/>
+          </a:lnRef>
+          <a:fillRef idx="0">
+            <a:schemeClr val="dk1"/>
+          </a:fillRef>
+          <a:effectRef idx="0">
+            <a:schemeClr val="dk1"/>
+          </a:effectRef>
+          <a:fontRef idx="minor">
+            <a:schemeClr val="tx1"/>
+          </a:fontRef>
+        </p:style>
+      </p:cxnSp>
+      <p:cxnSp>
+        <p:nvCxnSpPr>
+          <p:cNvPr id="91" name="直線矢印コネクタ 90">
+            <a:extLst>
+              <a:ext uri="{FF2B5EF4-FFF2-40B4-BE49-F238E27FC236}">
+                <a16:creationId xmlns:a16="http://schemas.microsoft.com/office/drawing/2014/main" id="{61F5C962-26AD-974D-7379-03E09D25DF4F}"/>
+              </a:ext>
+            </a:extLst>
+          </p:cNvPr>
+          <p:cNvCxnSpPr>
+            <a:cxnSpLocks/>
+          </p:cNvCxnSpPr>
+          <p:nvPr/>
+        </p:nvCxnSpPr>
+        <p:spPr>
+          <a:xfrm flipV="1">
+            <a:off x="5415213" y="2382579"/>
+            <a:ext cx="1519701" cy="1532"/>
+          </a:xfrm>
+          <a:prstGeom prst="straightConnector1">
+            <a:avLst/>
+          </a:prstGeom>
+          <a:ln w="28575">
+            <a:prstDash val="solid"/>
+            <a:headEnd type="none" w="med" len="med"/>
+            <a:tailEnd type="arrow" w="med" len="med"/>
+          </a:ln>
+          <a:effectLst>
+            <a:outerShdw blurRad="50800" dist="38100" dir="2700000" algn="tl" rotWithShape="0">
+              <a:prstClr val="black">
+                <a:alpha val="40000"/>
+              </a:prstClr>
+            </a:outerShdw>
+          </a:effectLst>
+        </p:spPr>
+        <p:style>
+          <a:lnRef idx="1">
+            <a:schemeClr val="dk1"/>
+          </a:lnRef>
+          <a:fillRef idx="0">
+            <a:schemeClr val="dk1"/>
+          </a:fillRef>
+          <a:effectRef idx="0">
+            <a:schemeClr val="dk1"/>
+          </a:effectRef>
+          <a:fontRef idx="minor">
+            <a:schemeClr val="tx1"/>
+          </a:fontRef>
+        </p:style>
+      </p:cxnSp>
+      <p:cxnSp>
+        <p:nvCxnSpPr>
+          <p:cNvPr id="93" name="直線矢印コネクタ 92">
+            <a:extLst>
+              <a:ext uri="{FF2B5EF4-FFF2-40B4-BE49-F238E27FC236}">
+                <a16:creationId xmlns:a16="http://schemas.microsoft.com/office/drawing/2014/main" id="{854E4457-D070-67D8-DCAD-7854F06058E3}"/>
+              </a:ext>
+            </a:extLst>
+          </p:cNvPr>
+          <p:cNvCxnSpPr>
+            <a:cxnSpLocks/>
+          </p:cNvCxnSpPr>
+          <p:nvPr/>
+        </p:nvCxnSpPr>
+        <p:spPr>
+          <a:xfrm flipV="1">
+            <a:off x="5262814" y="2524096"/>
+            <a:ext cx="1519701" cy="1532"/>
+          </a:xfrm>
+          <a:prstGeom prst="straightConnector1">
+            <a:avLst/>
+          </a:prstGeom>
+          <a:ln w="28575">
+            <a:prstDash val="solid"/>
+            <a:headEnd type="none" w="med" len="med"/>
+            <a:tailEnd type="arrow" w="med" len="med"/>
+          </a:ln>
+          <a:effectLst>
+            <a:outerShdw blurRad="50800" dist="38100" dir="2700000" algn="tl" rotWithShape="0">
+              <a:prstClr val="black">
+                <a:alpha val="40000"/>
+              </a:prstClr>
+            </a:outerShdw>
+          </a:effectLst>
+        </p:spPr>
+        <p:style>
+          <a:lnRef idx="1">
+            <a:schemeClr val="dk1"/>
+          </a:lnRef>
+          <a:fillRef idx="0">
+            <a:schemeClr val="dk1"/>
+          </a:fillRef>
+          <a:effectRef idx="0">
+            <a:schemeClr val="dk1"/>
+          </a:effectRef>
+          <a:fontRef idx="minor">
+            <a:schemeClr val="tx1"/>
+          </a:fontRef>
+        </p:style>
+      </p:cxnSp>
+      <p:cxnSp>
+        <p:nvCxnSpPr>
+          <p:cNvPr id="95" name="直線矢印コネクタ 94">
+            <a:extLst>
+              <a:ext uri="{FF2B5EF4-FFF2-40B4-BE49-F238E27FC236}">
+                <a16:creationId xmlns:a16="http://schemas.microsoft.com/office/drawing/2014/main" id="{8F15C172-2ED3-95C6-3CFA-909B961F8B34}"/>
+              </a:ext>
+            </a:extLst>
+          </p:cNvPr>
+          <p:cNvCxnSpPr>
+            <a:cxnSpLocks/>
+          </p:cNvCxnSpPr>
+          <p:nvPr/>
+        </p:nvCxnSpPr>
+        <p:spPr>
+          <a:xfrm flipV="1">
+            <a:off x="5415214" y="2676496"/>
+            <a:ext cx="1519701" cy="1532"/>
+          </a:xfrm>
+          <a:prstGeom prst="straightConnector1">
+            <a:avLst/>
+          </a:prstGeom>
+          <a:ln w="28575">
+            <a:prstDash val="solid"/>
+            <a:headEnd type="none" w="med" len="med"/>
+            <a:tailEnd type="arrow" w="med" len="med"/>
+          </a:ln>
+          <a:effectLst>
+            <a:outerShdw blurRad="50800" dist="38100" dir="2700000" algn="tl" rotWithShape="0">
+              <a:prstClr val="black">
+                <a:alpha val="40000"/>
+              </a:prstClr>
+            </a:outerShdw>
+          </a:effectLst>
+        </p:spPr>
+        <p:style>
+          <a:lnRef idx="1">
+            <a:schemeClr val="dk1"/>
+          </a:lnRef>
+          <a:fillRef idx="0">
+            <a:schemeClr val="dk1"/>
+          </a:fillRef>
+          <a:effectRef idx="0">
+            <a:schemeClr val="dk1"/>
+          </a:effectRef>
+          <a:fontRef idx="minor">
+            <a:schemeClr val="tx1"/>
+          </a:fontRef>
+        </p:style>
+      </p:cxnSp>
+      <p:cxnSp>
+        <p:nvCxnSpPr>
+          <p:cNvPr id="97" name="直線矢印コネクタ 96">
+            <a:extLst>
+              <a:ext uri="{FF2B5EF4-FFF2-40B4-BE49-F238E27FC236}">
+                <a16:creationId xmlns:a16="http://schemas.microsoft.com/office/drawing/2014/main" id="{33EF8E1C-D2BA-57EA-BC64-C502FAF08F1D}"/>
+              </a:ext>
+            </a:extLst>
+          </p:cNvPr>
+          <p:cNvCxnSpPr>
+            <a:cxnSpLocks/>
+          </p:cNvCxnSpPr>
+          <p:nvPr/>
+        </p:nvCxnSpPr>
+        <p:spPr>
+          <a:xfrm flipV="1">
+            <a:off x="5262812" y="2818011"/>
+            <a:ext cx="1519701" cy="1532"/>
+          </a:xfrm>
+          <a:prstGeom prst="straightConnector1">
+            <a:avLst/>
+          </a:prstGeom>
+          <a:ln w="28575">
+            <a:prstDash val="solid"/>
+            <a:headEnd type="none" w="med" len="med"/>
+            <a:tailEnd type="arrow" w="med" len="med"/>
+          </a:ln>
+          <a:effectLst>
+            <a:outerShdw blurRad="50800" dist="38100" dir="2700000" algn="tl" rotWithShape="0">
+              <a:prstClr val="black">
+                <a:alpha val="40000"/>
+              </a:prstClr>
+            </a:outerShdw>
+          </a:effectLst>
+        </p:spPr>
+        <p:style>
+          <a:lnRef idx="1">
+            <a:schemeClr val="dk1"/>
+          </a:lnRef>
+          <a:fillRef idx="0">
+            <a:schemeClr val="dk1"/>
+          </a:fillRef>
+          <a:effectRef idx="0">
+            <a:schemeClr val="dk1"/>
+          </a:effectRef>
+          <a:fontRef idx="minor">
+            <a:schemeClr val="tx1"/>
+          </a:fontRef>
+        </p:style>
+      </p:cxnSp>
+      <p:cxnSp>
+        <p:nvCxnSpPr>
+          <p:cNvPr id="99" name="直線矢印コネクタ 98">
+            <a:extLst>
+              <a:ext uri="{FF2B5EF4-FFF2-40B4-BE49-F238E27FC236}">
+                <a16:creationId xmlns:a16="http://schemas.microsoft.com/office/drawing/2014/main" id="{6A6E4F3B-8222-4EB8-19A6-4A091252EC3C}"/>
+              </a:ext>
+            </a:extLst>
+          </p:cNvPr>
+          <p:cNvCxnSpPr>
+            <a:cxnSpLocks/>
+          </p:cNvCxnSpPr>
+          <p:nvPr/>
+        </p:nvCxnSpPr>
+        <p:spPr>
+          <a:xfrm flipV="1">
+            <a:off x="5415212" y="2970411"/>
+            <a:ext cx="1519701" cy="1532"/>
+          </a:xfrm>
+          <a:prstGeom prst="straightConnector1">
+            <a:avLst/>
+          </a:prstGeom>
+          <a:ln w="28575">
+            <a:prstDash val="solid"/>
+            <a:headEnd type="none" w="med" len="med"/>
+            <a:tailEnd type="arrow" w="med" len="med"/>
+          </a:ln>
+          <a:effectLst>
+            <a:outerShdw blurRad="50800" dist="38100" dir="2700000" algn="tl" rotWithShape="0">
+              <a:prstClr val="black">
+                <a:alpha val="40000"/>
+              </a:prstClr>
+            </a:outerShdw>
+          </a:effectLst>
+        </p:spPr>
+        <p:style>
+          <a:lnRef idx="1">
+            <a:schemeClr val="dk1"/>
+          </a:lnRef>
+          <a:fillRef idx="0">
+            <a:schemeClr val="dk1"/>
+          </a:fillRef>
+          <a:effectRef idx="0">
+            <a:schemeClr val="dk1"/>
+          </a:effectRef>
+          <a:fontRef idx="minor">
+            <a:schemeClr val="tx1"/>
+          </a:fontRef>
+        </p:style>
+      </p:cxnSp>
+      <p:sp>
+        <p:nvSpPr>
+          <p:cNvPr id="101" name="テキスト ボックス 100">
+            <a:extLst>
+              <a:ext uri="{FF2B5EF4-FFF2-40B4-BE49-F238E27FC236}">
+                <a16:creationId xmlns:a16="http://schemas.microsoft.com/office/drawing/2014/main" id="{2D2A2D86-6DBE-0067-F22D-941668288147}"/>
+              </a:ext>
+            </a:extLst>
+          </p:cNvPr>
+          <p:cNvSpPr txBox="1"/>
+          <p:nvPr/>
+        </p:nvSpPr>
+        <p:spPr>
+          <a:xfrm>
+            <a:off x="8198174" y="3296748"/>
+            <a:ext cx="1800493" cy="307777"/>
+          </a:xfrm>
+          <a:prstGeom prst="rect">
+            <a:avLst/>
+          </a:prstGeom>
+          <a:noFill/>
+        </p:spPr>
+        <p:txBody>
+          <a:bodyPr wrap="none" rtlCol="0">
+            <a:spAutoFit/>
+          </a:bodyPr>
+          <a:lstStyle/>
+          <a:p>
+            <a:r>
+              <a:rPr kumimoji="1" lang="ja-JP" altLang="en-US" sz="1400" dirty="0"/>
+              <a:t>テスト対象システム</a:t>
+            </a:r>
+          </a:p>
+        </p:txBody>
+      </p:sp>
+      <p:cxnSp>
+        <p:nvCxnSpPr>
+          <p:cNvPr id="103" name="カギ線コネクタ 124">
+            <a:extLst>
+              <a:ext uri="{FF2B5EF4-FFF2-40B4-BE49-F238E27FC236}">
+                <a16:creationId xmlns:a16="http://schemas.microsoft.com/office/drawing/2014/main" id="{41200EC7-CC8A-E2B1-B802-102FA93B9784}"/>
+              </a:ext>
+            </a:extLst>
+          </p:cNvPr>
+          <p:cNvCxnSpPr>
+            <a:cxnSpLocks/>
+            <a:stCxn id="101" idx="2"/>
+            <a:endCxn id="234" idx="3"/>
+          </p:cNvCxnSpPr>
+          <p:nvPr/>
+        </p:nvCxnSpPr>
+        <p:spPr>
+          <a:xfrm rot="5400000">
+            <a:off x="6709954" y="1586724"/>
+            <a:ext cx="370667" cy="4406268"/>
+          </a:xfrm>
+          <a:prstGeom prst="bentConnector2">
+            <a:avLst/>
+          </a:prstGeom>
+          <a:ln w="28575">
+            <a:prstDash val="dash"/>
+            <a:headEnd type="none" w="med" len="med"/>
+            <a:tailEnd type="arrow" w="med" len="med"/>
+          </a:ln>
+          <a:effectLst>
+            <a:outerShdw blurRad="50800" dist="38100" dir="2700000" algn="tl" rotWithShape="0">
+              <a:prstClr val="black">
+                <a:alpha val="40000"/>
+              </a:prstClr>
+            </a:outerShdw>
+          </a:effectLst>
+        </p:spPr>
+        <p:style>
+          <a:lnRef idx="1">
+            <a:schemeClr val="dk1"/>
+          </a:lnRef>
+          <a:fillRef idx="0">
+            <a:schemeClr val="dk1"/>
+          </a:fillRef>
+          <a:effectRef idx="0">
+            <a:schemeClr val="dk1"/>
+          </a:effectRef>
+          <a:fontRef idx="minor">
+            <a:schemeClr val="tx1"/>
+          </a:fontRef>
+        </p:style>
+      </p:cxnSp>
+      <p:pic>
+        <p:nvPicPr>
+          <p:cNvPr id="105" name="グラフィックス 104">
+            <a:extLst>
+              <a:ext uri="{FF2B5EF4-FFF2-40B4-BE49-F238E27FC236}">
+                <a16:creationId xmlns:a16="http://schemas.microsoft.com/office/drawing/2014/main" id="{DF315726-43F2-5D76-8E3E-B2F7EF48C932}"/>
+              </a:ext>
+            </a:extLst>
+          </p:cNvPr>
+          <p:cNvPicPr>
+            <a:picLocks noChangeAspect="1"/>
+          </p:cNvPicPr>
+          <p:nvPr/>
+        </p:nvPicPr>
+        <p:blipFill>
+          <a:blip r:embed="rId4">
+            <a:extLst>
+              <a:ext uri="{28A0092B-C50C-407E-A947-70E740481C1C}">
+                <a14:useLocalDpi xmlns:a14="http://schemas.microsoft.com/office/drawing/2010/main" val="0"/>
+              </a:ext>
+              <a:ext uri="{96DAC541-7B7A-43D3-8B79-37D633B846F1}">
+                <asvg:svgBlip xmlns:asvg="http://schemas.microsoft.com/office/drawing/2016/SVG/main" r:embed="rId5"/>
+              </a:ext>
+            </a:extLst>
+          </a:blip>
+          <a:stretch>
+            <a:fillRect/>
+          </a:stretch>
+        </p:blipFill>
+        <p:spPr>
+          <a:xfrm>
+            <a:off x="6040329" y="3727976"/>
+            <a:ext cx="569972" cy="569972"/>
+          </a:xfrm>
+          <a:prstGeom prst="rect">
+            <a:avLst/>
+          </a:prstGeom>
+        </p:spPr>
+      </p:pic>
+      <p:sp>
+        <p:nvSpPr>
+          <p:cNvPr id="107" name="テキスト ボックス 106">
+            <a:extLst>
+              <a:ext uri="{FF2B5EF4-FFF2-40B4-BE49-F238E27FC236}">
+                <a16:creationId xmlns:a16="http://schemas.microsoft.com/office/drawing/2014/main" id="{AB93F972-0A9D-2054-129B-DF855160608C}"/>
+              </a:ext>
+            </a:extLst>
+          </p:cNvPr>
+          <p:cNvSpPr txBox="1"/>
+          <p:nvPr/>
+        </p:nvSpPr>
+        <p:spPr>
+          <a:xfrm>
+            <a:off x="5578746" y="4361739"/>
+            <a:ext cx="1620957" cy="307777"/>
+          </a:xfrm>
+          <a:prstGeom prst="rect">
+            <a:avLst/>
+          </a:prstGeom>
+          <a:noFill/>
+        </p:spPr>
+        <p:txBody>
+          <a:bodyPr wrap="none" rtlCol="0">
+            <a:spAutoFit/>
+          </a:bodyPr>
+          <a:lstStyle/>
+          <a:p>
+            <a:r>
+              <a:rPr lang="ja-JP" altLang="en-US" sz="1400"/>
+              <a:t>メトリックデータ</a:t>
+            </a:r>
+            <a:endParaRPr kumimoji="1" lang="ja-JP" altLang="en-US" sz="1400"/>
+          </a:p>
+        </p:txBody>
+      </p:sp>
+      <p:pic>
+        <p:nvPicPr>
+          <p:cNvPr id="215" name="図 214" descr="ロゴ&#10;&#10;自動的に生成された説明">
+            <a:extLst>
+              <a:ext uri="{FF2B5EF4-FFF2-40B4-BE49-F238E27FC236}">
+                <a16:creationId xmlns:a16="http://schemas.microsoft.com/office/drawing/2014/main" id="{02868648-DD2B-40E9-DF67-510B293C6467}"/>
+              </a:ext>
+            </a:extLst>
+          </p:cNvPr>
+          <p:cNvPicPr>
+            <a:picLocks noChangeAspect="1"/>
+          </p:cNvPicPr>
+          <p:nvPr/>
+        </p:nvPicPr>
+        <p:blipFill>
+          <a:blip r:embed="rId6">
+            <a:extLst>
+              <a:ext uri="{28A0092B-C50C-407E-A947-70E740481C1C}">
+                <a14:useLocalDpi xmlns:a14="http://schemas.microsoft.com/office/drawing/2010/main" val="0"/>
+              </a:ext>
+            </a:extLst>
+          </a:blip>
+          <a:stretch>
+            <a:fillRect/>
+          </a:stretch>
+        </p:blipFill>
+        <p:spPr>
+          <a:xfrm>
+            <a:off x="9954691" y="2037721"/>
+            <a:ext cx="780290" cy="780290"/>
+          </a:xfrm>
+          <a:prstGeom prst="rect">
+            <a:avLst/>
+          </a:prstGeom>
+        </p:spPr>
+      </p:pic>
+      <p:pic>
+        <p:nvPicPr>
+          <p:cNvPr id="217" name="図 216" descr="アイコン&#10;&#10;自動的に生成された説明">
+            <a:extLst>
+              <a:ext uri="{FF2B5EF4-FFF2-40B4-BE49-F238E27FC236}">
+                <a16:creationId xmlns:a16="http://schemas.microsoft.com/office/drawing/2014/main" id="{F4082D88-DD6F-B97F-FEA7-05653F98FB80}"/>
+              </a:ext>
+            </a:extLst>
+          </p:cNvPr>
+          <p:cNvPicPr>
+            <a:picLocks noChangeAspect="1"/>
+          </p:cNvPicPr>
+          <p:nvPr/>
+        </p:nvPicPr>
+        <p:blipFill>
+          <a:blip r:embed="rId7">
+            <a:extLst>
+              <a:ext uri="{28A0092B-C50C-407E-A947-70E740481C1C}">
+                <a14:useLocalDpi xmlns:a14="http://schemas.microsoft.com/office/drawing/2010/main" val="0"/>
+              </a:ext>
+            </a:extLst>
+          </a:blip>
+          <a:stretch>
+            <a:fillRect/>
+          </a:stretch>
+        </p:blipFill>
+        <p:spPr>
+          <a:xfrm>
+            <a:off x="8708276" y="1227728"/>
+            <a:ext cx="780290" cy="780290"/>
+          </a:xfrm>
+          <a:prstGeom prst="rect">
+            <a:avLst/>
+          </a:prstGeom>
+        </p:spPr>
+      </p:pic>
+      <p:cxnSp>
+        <p:nvCxnSpPr>
+          <p:cNvPr id="221" name="直線矢印コネクタ 220">
+            <a:extLst>
+              <a:ext uri="{FF2B5EF4-FFF2-40B4-BE49-F238E27FC236}">
+                <a16:creationId xmlns:a16="http://schemas.microsoft.com/office/drawing/2014/main" id="{B902A883-9954-89D0-2E89-4FF7FD458761}"/>
+              </a:ext>
+            </a:extLst>
+          </p:cNvPr>
+          <p:cNvCxnSpPr>
+            <a:cxnSpLocks/>
+          </p:cNvCxnSpPr>
+          <p:nvPr/>
+        </p:nvCxnSpPr>
+        <p:spPr>
+          <a:xfrm flipV="1">
+            <a:off x="8467395" y="2464581"/>
+            <a:ext cx="1381546" cy="1532"/>
+          </a:xfrm>
+          <a:prstGeom prst="straightConnector1">
+            <a:avLst/>
+          </a:prstGeom>
+          <a:ln w="28575">
+            <a:prstDash val="solid"/>
+            <a:headEnd type="none" w="med" len="med"/>
+            <a:tailEnd type="arrow" w="med" len="med"/>
+          </a:ln>
+          <a:effectLst>
+            <a:outerShdw blurRad="50800" dist="38100" dir="2700000" algn="tl" rotWithShape="0">
+              <a:prstClr val="black">
+                <a:alpha val="40000"/>
+              </a:prstClr>
+            </a:outerShdw>
+          </a:effectLst>
+        </p:spPr>
+        <p:style>
+          <a:lnRef idx="1">
+            <a:schemeClr val="dk1"/>
+          </a:lnRef>
+          <a:fillRef idx="0">
+            <a:schemeClr val="dk1"/>
+          </a:fillRef>
+          <a:effectRef idx="0">
+            <a:schemeClr val="dk1"/>
+          </a:effectRef>
+          <a:fontRef idx="minor">
+            <a:schemeClr val="tx1"/>
+          </a:fontRef>
+        </p:style>
+      </p:cxnSp>
+      <p:cxnSp>
+        <p:nvCxnSpPr>
+          <p:cNvPr id="224" name="カギ線コネクタ 124">
+            <a:extLst>
+              <a:ext uri="{FF2B5EF4-FFF2-40B4-BE49-F238E27FC236}">
+                <a16:creationId xmlns:a16="http://schemas.microsoft.com/office/drawing/2014/main" id="{83351048-56ED-6909-FE62-1ACC0D2061E1}"/>
+              </a:ext>
+            </a:extLst>
+          </p:cNvPr>
+          <p:cNvCxnSpPr>
+            <a:cxnSpLocks/>
+            <a:stCxn id="83" idx="0"/>
+            <a:endCxn id="217" idx="1"/>
+          </p:cNvCxnSpPr>
+          <p:nvPr/>
+        </p:nvCxnSpPr>
+        <p:spPr>
+          <a:xfrm rot="5400000" flipH="1" flipV="1">
+            <a:off x="8118466" y="1443805"/>
+            <a:ext cx="415742" cy="763878"/>
+          </a:xfrm>
+          <a:prstGeom prst="bentConnector2">
+            <a:avLst/>
+          </a:prstGeom>
+          <a:ln w="28575">
+            <a:prstDash val="dash"/>
+            <a:headEnd type="none" w="med" len="med"/>
+            <a:tailEnd type="arrow" w="med" len="med"/>
+          </a:ln>
+          <a:effectLst>
+            <a:outerShdw blurRad="50800" dist="38100" dir="2700000" algn="tl" rotWithShape="0">
+              <a:prstClr val="black">
+                <a:alpha val="40000"/>
+              </a:prstClr>
+            </a:outerShdw>
+          </a:effectLst>
+        </p:spPr>
+        <p:style>
+          <a:lnRef idx="1">
+            <a:schemeClr val="dk1"/>
+          </a:lnRef>
+          <a:fillRef idx="0">
+            <a:schemeClr val="dk1"/>
+          </a:fillRef>
+          <a:effectRef idx="0">
+            <a:schemeClr val="dk1"/>
+          </a:effectRef>
+          <a:fontRef idx="minor">
+            <a:schemeClr val="tx1"/>
+          </a:fontRef>
+        </p:style>
+      </p:cxnSp>
+      <p:sp>
+        <p:nvSpPr>
+          <p:cNvPr id="228" name="テキスト ボックス 227">
+            <a:extLst>
+              <a:ext uri="{FF2B5EF4-FFF2-40B4-BE49-F238E27FC236}">
+                <a16:creationId xmlns:a16="http://schemas.microsoft.com/office/drawing/2014/main" id="{8058B5F3-1952-C8E8-B648-11B13F9F0B10}"/>
+              </a:ext>
+            </a:extLst>
+          </p:cNvPr>
+          <p:cNvSpPr txBox="1"/>
+          <p:nvPr/>
+        </p:nvSpPr>
+        <p:spPr>
+          <a:xfrm>
+            <a:off x="7479673" y="2888452"/>
+            <a:ext cx="881973" cy="307777"/>
+          </a:xfrm>
+          <a:prstGeom prst="rect">
+            <a:avLst/>
+          </a:prstGeom>
+          <a:noFill/>
+        </p:spPr>
+        <p:txBody>
+          <a:bodyPr wrap="none" rtlCol="0">
+            <a:spAutoFit/>
+          </a:bodyPr>
+          <a:lstStyle/>
+          <a:p>
+            <a:r>
+              <a:rPr kumimoji="1" lang="en-US" altLang="ja-JP" sz="1400"/>
+              <a:t>WebApp</a:t>
+            </a:r>
+            <a:endParaRPr kumimoji="1" lang="ja-JP" altLang="en-US" sz="1400" dirty="0"/>
+          </a:p>
+        </p:txBody>
+      </p:sp>
+      <p:sp>
+        <p:nvSpPr>
+          <p:cNvPr id="230" name="テキスト ボックス 229">
+            <a:extLst>
+              <a:ext uri="{FF2B5EF4-FFF2-40B4-BE49-F238E27FC236}">
+                <a16:creationId xmlns:a16="http://schemas.microsoft.com/office/drawing/2014/main" id="{CA9051FE-0CBD-9D3D-F835-3C69FB5AF92E}"/>
+              </a:ext>
+            </a:extLst>
+          </p:cNvPr>
+          <p:cNvSpPr txBox="1"/>
+          <p:nvPr/>
+        </p:nvSpPr>
+        <p:spPr>
+          <a:xfrm>
+            <a:off x="9680884" y="2866609"/>
+            <a:ext cx="1382110" cy="307777"/>
+          </a:xfrm>
+          <a:prstGeom prst="rect">
+            <a:avLst/>
+          </a:prstGeom>
+          <a:noFill/>
+        </p:spPr>
+        <p:txBody>
+          <a:bodyPr wrap="none" rtlCol="0">
+            <a:spAutoFit/>
+          </a:bodyPr>
+          <a:lstStyle/>
+          <a:p>
+            <a:r>
+              <a:rPr kumimoji="1" lang="en-US" altLang="ja-JP" sz="1400" dirty="0"/>
+              <a:t>SQL</a:t>
+            </a:r>
+            <a:r>
+              <a:rPr kumimoji="1" lang="ja-JP" altLang="en-US" sz="1400" dirty="0"/>
+              <a:t> </a:t>
+            </a:r>
+            <a:r>
+              <a:rPr kumimoji="1" lang="en-US" altLang="ja-JP" sz="1400" dirty="0"/>
+              <a:t>Database</a:t>
+            </a:r>
+            <a:endParaRPr kumimoji="1" lang="ja-JP" altLang="en-US" sz="1400" dirty="0"/>
+          </a:p>
+        </p:txBody>
+      </p:sp>
+      <p:sp>
+        <p:nvSpPr>
+          <p:cNvPr id="232" name="テキスト ボックス 231">
+            <a:extLst>
+              <a:ext uri="{FF2B5EF4-FFF2-40B4-BE49-F238E27FC236}">
+                <a16:creationId xmlns:a16="http://schemas.microsoft.com/office/drawing/2014/main" id="{8300E4D3-6DBA-A6EA-0AB4-EC2C15F0A2FD}"/>
+              </a:ext>
+            </a:extLst>
+          </p:cNvPr>
+          <p:cNvSpPr txBox="1"/>
+          <p:nvPr/>
+        </p:nvSpPr>
+        <p:spPr>
+          <a:xfrm>
+            <a:off x="9472154" y="1227728"/>
+            <a:ext cx="1162498" cy="523220"/>
+          </a:xfrm>
+          <a:prstGeom prst="rect">
+            <a:avLst/>
+          </a:prstGeom>
+          <a:noFill/>
+        </p:spPr>
+        <p:txBody>
+          <a:bodyPr wrap="none" rtlCol="0">
+            <a:spAutoFit/>
+          </a:bodyPr>
+          <a:lstStyle/>
+          <a:p>
+            <a:r>
+              <a:rPr kumimoji="1" lang="en-US" altLang="ja-JP" sz="1400" dirty="0"/>
+              <a:t>Application </a:t>
+            </a:r>
+            <a:br>
+              <a:rPr kumimoji="1" lang="en-US" altLang="ja-JP" sz="1400" dirty="0"/>
+            </a:br>
+            <a:r>
+              <a:rPr kumimoji="1" lang="en-US" altLang="ja-JP" sz="1400" dirty="0"/>
+              <a:t>Insights</a:t>
+            </a:r>
+            <a:endParaRPr kumimoji="1" lang="ja-JP" altLang="en-US" sz="1400" dirty="0"/>
+          </a:p>
+        </p:txBody>
+      </p:sp>
+      <p:pic>
+        <p:nvPicPr>
+          <p:cNvPr id="234" name="図 233">
+            <a:extLst>
+              <a:ext uri="{FF2B5EF4-FFF2-40B4-BE49-F238E27FC236}">
+                <a16:creationId xmlns:a16="http://schemas.microsoft.com/office/drawing/2014/main" id="{02B70F8F-19FF-EE1B-D112-0C4620240DF4}"/>
+              </a:ext>
+            </a:extLst>
+          </p:cNvPr>
+          <p:cNvPicPr>
+            <a:picLocks noChangeAspect="1"/>
+          </p:cNvPicPr>
+          <p:nvPr/>
+        </p:nvPicPr>
+        <p:blipFill>
+          <a:blip r:embed="rId8"/>
+          <a:stretch>
+            <a:fillRect/>
+          </a:stretch>
+        </p:blipFill>
+        <p:spPr>
+          <a:xfrm>
+            <a:off x="420264" y="2754653"/>
+            <a:ext cx="4271889" cy="2441078"/>
+          </a:xfrm>
+          <a:prstGeom prst="rect">
+            <a:avLst/>
+          </a:prstGeom>
+          <a:ln>
+            <a:noFill/>
+          </a:ln>
+          <a:effectLst>
+            <a:outerShdw blurRad="292100" dist="139700" dir="2700000" algn="tl" rotWithShape="0">
+              <a:srgbClr val="333333">
+                <a:alpha val="65000"/>
+              </a:srgbClr>
+            </a:outerShdw>
+          </a:effectLst>
+        </p:spPr>
+      </p:pic>
+      <p:pic>
+        <p:nvPicPr>
+          <p:cNvPr id="239" name="Picture 2" descr="Azure Load Testingを使って、GitHub Actionsで負荷テストをおこなってみた | DevelopersIO">
+            <a:extLst>
+              <a:ext uri="{FF2B5EF4-FFF2-40B4-BE49-F238E27FC236}">
+                <a16:creationId xmlns:a16="http://schemas.microsoft.com/office/drawing/2014/main" id="{D4264706-59A2-A121-B943-19A717E47211}"/>
+              </a:ext>
+            </a:extLst>
+          </p:cNvPr>
+          <p:cNvPicPr>
+            <a:picLocks noChangeAspect="1" noChangeArrowheads="1"/>
+          </p:cNvPicPr>
+          <p:nvPr/>
+        </p:nvPicPr>
+        <p:blipFill>
+          <a:blip r:embed="rId9">
+            <a:extLst>
+              <a:ext uri="{28A0092B-C50C-407E-A947-70E740481C1C}">
+                <a14:useLocalDpi xmlns:a14="http://schemas.microsoft.com/office/drawing/2010/main" val="0"/>
+              </a:ext>
+            </a:extLst>
+          </a:blip>
+          <a:srcRect/>
+          <a:stretch>
+            <a:fillRect/>
+          </a:stretch>
+        </p:blipFill>
+        <p:spPr bwMode="auto">
+          <a:xfrm>
+            <a:off x="3958878" y="2015036"/>
+            <a:ext cx="979281" cy="979281"/>
+          </a:xfrm>
+          <a:prstGeom prst="rect">
+            <a:avLst/>
+          </a:prstGeom>
+          <a:noFill/>
+          <a:extLst>
+            <a:ext uri="{909E8E84-426E-40DD-AFC4-6F175D3DCCD1}">
+              <a14:hiddenFill xmlns:a14="http://schemas.microsoft.com/office/drawing/2010/main">
+                <a:solidFill>
+                  <a:srgbClr val="FFFFFF"/>
+                </a:solidFill>
+              </a14:hiddenFill>
+            </a:ext>
+          </a:extLst>
+        </p:spPr>
+      </p:pic>
+      <p:sp>
+        <p:nvSpPr>
+          <p:cNvPr id="242" name="四角形: 角を丸くする 241">
+            <a:extLst>
+              <a:ext uri="{FF2B5EF4-FFF2-40B4-BE49-F238E27FC236}">
+                <a16:creationId xmlns:a16="http://schemas.microsoft.com/office/drawing/2014/main" id="{E728F5C1-88B9-6659-BFD1-3E5786C3C074}"/>
+              </a:ext>
+            </a:extLst>
+          </p:cNvPr>
+          <p:cNvSpPr/>
+          <p:nvPr/>
+        </p:nvSpPr>
+        <p:spPr>
+          <a:xfrm>
+            <a:off x="420264" y="3829739"/>
+            <a:ext cx="1099350" cy="290905"/>
+          </a:xfrm>
+          <a:prstGeom prst="roundRect">
+            <a:avLst/>
+          </a:prstGeom>
+          <a:noFill/>
+          <a:ln w="19050">
+            <a:solidFill>
+              <a:srgbClr val="FF0000"/>
+            </a:solidFill>
+          </a:ln>
+        </p:spPr>
+        <p:style>
+          <a:lnRef idx="2">
+            <a:schemeClr val="accent1">
+              <a:shade val="50000"/>
+            </a:schemeClr>
+          </a:lnRef>
+          <a:fillRef idx="1">
+            <a:schemeClr val="accent1"/>
+          </a:fillRef>
+          <a:effectRef idx="0">
+            <a:schemeClr val="accent1"/>
+          </a:effectRef>
+          <a:fontRef idx="minor">
+            <a:schemeClr val="lt1"/>
+          </a:fontRef>
+        </p:style>
+        <p:txBody>
+          <a:bodyPr rtlCol="0" anchor="ctr"/>
+          <a:lstStyle/>
+          <a:p>
+            <a:pPr algn="ctr"/>
+            <a:endParaRPr kumimoji="1" lang="ja-JP" altLang="en-US"/>
+          </a:p>
+        </p:txBody>
+      </p:sp>
+    </p:spTree>
+    <p:extLst>
+      <p:ext uri="{BB962C8B-B14F-4D97-AF65-F5344CB8AC3E}">
+        <p14:creationId xmlns:p14="http://schemas.microsoft.com/office/powerpoint/2010/main" val="1927256009"/>
+      </p:ext>
+    </p:extLst>
+  </p:cSld>
+  <p:clrMapOvr>
+    <a:masterClrMapping/>
+  </p:clrMapOvr>
+</p:sld>
+</file>
+
+<file path=ppt/slides/slide13.xml><?xml version="1.0" encoding="utf-8"?>
+<p:sld xmlns:a="http://schemas.openxmlformats.org/drawingml/2006/main" xmlns:r="http://schemas.openxmlformats.org/officeDocument/2006/relationships" xmlns:p="http://schemas.openxmlformats.org/presentationml/2006/main">
+  <p:cSld>
+    <p:spTree>
+      <p:nvGrpSpPr>
+        <p:cNvPr id="1" name=""/>
+        <p:cNvGrpSpPr/>
+        <p:nvPr/>
+      </p:nvGrpSpPr>
+      <p:grpSpPr>
+        <a:xfrm>
+          <a:off x="0" y="0"/>
+          <a:ext cx="0" cy="0"/>
+          <a:chOff x="0" y="0"/>
+          <a:chExt cx="0" cy="0"/>
+        </a:xfrm>
+      </p:grpSpPr>
+      <p:pic>
+        <p:nvPicPr>
+          <p:cNvPr id="7" name="図 6">
+            <a:extLst>
+              <a:ext uri="{FF2B5EF4-FFF2-40B4-BE49-F238E27FC236}">
+                <a16:creationId xmlns:a16="http://schemas.microsoft.com/office/drawing/2014/main" id="{CC28C2E7-984A-D9F2-E4AE-B245CC50D554}"/>
+              </a:ext>
+            </a:extLst>
+          </p:cNvPr>
+          <p:cNvPicPr>
+            <a:picLocks noChangeAspect="1"/>
+          </p:cNvPicPr>
+          <p:nvPr/>
+        </p:nvPicPr>
+        <p:blipFill>
+          <a:blip r:embed="rId2"/>
+          <a:stretch>
+            <a:fillRect/>
+          </a:stretch>
+        </p:blipFill>
+        <p:spPr>
+          <a:xfrm>
+            <a:off x="259097" y="817915"/>
+            <a:ext cx="6125047" cy="5483422"/>
+          </a:xfrm>
+          <a:prstGeom prst="rect">
+            <a:avLst/>
+          </a:prstGeom>
+          <a:ln>
+            <a:noFill/>
+          </a:ln>
+          <a:effectLst>
+            <a:outerShdw blurRad="292100" dist="139700" dir="2700000" algn="tl" rotWithShape="0">
+              <a:srgbClr val="333333">
+                <a:alpha val="65000"/>
+              </a:srgbClr>
+            </a:outerShdw>
+          </a:effectLst>
+        </p:spPr>
+      </p:pic>
+      <p:pic>
+        <p:nvPicPr>
+          <p:cNvPr id="13" name="図 12">
+            <a:extLst>
+              <a:ext uri="{FF2B5EF4-FFF2-40B4-BE49-F238E27FC236}">
+                <a16:creationId xmlns:a16="http://schemas.microsoft.com/office/drawing/2014/main" id="{6ED1D65A-5C9B-2E0D-8DFB-04828F9BA7FA}"/>
+              </a:ext>
+            </a:extLst>
+          </p:cNvPr>
+          <p:cNvPicPr>
+            <a:picLocks noChangeAspect="1"/>
+          </p:cNvPicPr>
+          <p:nvPr/>
+        </p:nvPicPr>
+        <p:blipFill>
+          <a:blip r:embed="rId3"/>
+          <a:stretch>
+            <a:fillRect/>
+          </a:stretch>
+        </p:blipFill>
+        <p:spPr>
+          <a:xfrm>
+            <a:off x="6676046" y="817915"/>
+            <a:ext cx="8195439" cy="5483422"/>
+          </a:xfrm>
+          <a:prstGeom prst="rect">
+            <a:avLst/>
+          </a:prstGeom>
+          <a:ln>
+            <a:noFill/>
+          </a:ln>
+          <a:effectLst>
+            <a:outerShdw blurRad="292100" dist="139700" dir="2700000" algn="tl" rotWithShape="0">
+              <a:srgbClr val="333333">
+                <a:alpha val="65000"/>
+              </a:srgbClr>
+            </a:outerShdw>
+          </a:effectLst>
+        </p:spPr>
+      </p:pic>
+      <p:sp>
+        <p:nvSpPr>
+          <p:cNvPr id="15" name="吹き出し: 角を丸めた四角形 14">
+            <a:extLst>
+              <a:ext uri="{FF2B5EF4-FFF2-40B4-BE49-F238E27FC236}">
+                <a16:creationId xmlns:a16="http://schemas.microsoft.com/office/drawing/2014/main" id="{7D111D9B-6F33-D723-A854-04ECF005B26D}"/>
+              </a:ext>
+            </a:extLst>
+          </p:cNvPr>
+          <p:cNvSpPr/>
+          <p:nvPr/>
+        </p:nvSpPr>
+        <p:spPr>
+          <a:xfrm>
+            <a:off x="1800782" y="133041"/>
+            <a:ext cx="1718733" cy="505999"/>
+          </a:xfrm>
+          <a:prstGeom prst="wedgeRoundRectCallout">
+            <a:avLst>
+              <a:gd name="adj1" fmla="val -30439"/>
+              <a:gd name="adj2" fmla="val 125168"/>
+              <a:gd name="adj3" fmla="val 16667"/>
+            </a:avLst>
+          </a:prstGeom>
+        </p:spPr>
+        <p:style>
+          <a:lnRef idx="1">
+            <a:schemeClr val="accent2"/>
+          </a:lnRef>
+          <a:fillRef idx="2">
+            <a:schemeClr val="accent2"/>
+          </a:fillRef>
+          <a:effectRef idx="1">
+            <a:schemeClr val="accent2"/>
+          </a:effectRef>
+          <a:fontRef idx="minor">
+            <a:schemeClr val="dk1"/>
+          </a:fontRef>
+        </p:style>
+        <p:txBody>
+          <a:bodyPr rtlCol="0" anchor="ctr"/>
+          <a:lstStyle/>
+          <a:p>
+            <a:pPr algn="ctr"/>
+            <a:r>
+              <a:rPr lang="ja-JP" altLang="en-US" sz="900" dirty="0"/>
+              <a:t>クライアント側</a:t>
+            </a:r>
+            <a:endParaRPr lang="en-US" altLang="ja-JP" sz="900" dirty="0"/>
+          </a:p>
+          <a:p>
+            <a:pPr algn="ctr"/>
+            <a:r>
+              <a:rPr lang="en-US" altLang="ja-JP" sz="900" dirty="0"/>
+              <a:t>(Azure</a:t>
+            </a:r>
+            <a:r>
+              <a:rPr lang="ja-JP" altLang="en-US" sz="900" dirty="0"/>
+              <a:t> </a:t>
+            </a:r>
+            <a:r>
+              <a:rPr lang="en-US" altLang="ja-JP" sz="900" dirty="0"/>
+              <a:t>Load</a:t>
+            </a:r>
+            <a:r>
+              <a:rPr lang="ja-JP" altLang="en-US" sz="900" dirty="0"/>
+              <a:t> </a:t>
+            </a:r>
+            <a:r>
+              <a:rPr lang="en-US" altLang="ja-JP" sz="900" dirty="0" err="1"/>
+              <a:t>Testitng</a:t>
+            </a:r>
+            <a:r>
+              <a:rPr lang="en-US" altLang="ja-JP" sz="900" dirty="0"/>
+              <a:t>)</a:t>
+            </a:r>
+            <a:endParaRPr kumimoji="1" lang="ja-JP" altLang="en-US" sz="900" dirty="0"/>
+          </a:p>
+        </p:txBody>
+      </p:sp>
+      <p:sp>
+        <p:nvSpPr>
+          <p:cNvPr id="17" name="吹き出し: 角を丸めた四角形 16">
+            <a:extLst>
+              <a:ext uri="{FF2B5EF4-FFF2-40B4-BE49-F238E27FC236}">
+                <a16:creationId xmlns:a16="http://schemas.microsoft.com/office/drawing/2014/main" id="{81E92B2A-2409-C0E4-39CC-F02A1CD2CB59}"/>
+              </a:ext>
+            </a:extLst>
+          </p:cNvPr>
+          <p:cNvSpPr/>
+          <p:nvPr/>
+        </p:nvSpPr>
+        <p:spPr>
+          <a:xfrm>
+            <a:off x="9531851" y="133041"/>
+            <a:ext cx="1718733" cy="505999"/>
+          </a:xfrm>
+          <a:prstGeom prst="wedgeRoundRectCallout">
+            <a:avLst>
+              <a:gd name="adj1" fmla="val -30439"/>
+              <a:gd name="adj2" fmla="val 125168"/>
+              <a:gd name="adj3" fmla="val 16667"/>
+            </a:avLst>
+          </a:prstGeom>
+        </p:spPr>
+        <p:style>
+          <a:lnRef idx="1">
+            <a:schemeClr val="accent2"/>
+          </a:lnRef>
+          <a:fillRef idx="2">
+            <a:schemeClr val="accent2"/>
+          </a:fillRef>
+          <a:effectRef idx="1">
+            <a:schemeClr val="accent2"/>
+          </a:effectRef>
+          <a:fontRef idx="minor">
+            <a:schemeClr val="dk1"/>
+          </a:fontRef>
+        </p:style>
+        <p:txBody>
+          <a:bodyPr rtlCol="0" anchor="ctr"/>
+          <a:lstStyle/>
+          <a:p>
+            <a:pPr algn="ctr"/>
+            <a:r>
+              <a:rPr lang="ja-JP" altLang="en-US" sz="900" dirty="0"/>
+              <a:t>サーバー側</a:t>
+            </a:r>
+            <a:endParaRPr lang="en-US" altLang="ja-JP" sz="900" dirty="0"/>
+          </a:p>
+          <a:p>
+            <a:pPr algn="ctr"/>
+            <a:r>
+              <a:rPr lang="en-US" altLang="ja-JP" sz="900" dirty="0"/>
+              <a:t>(</a:t>
+            </a:r>
+            <a:r>
+              <a:rPr lang="ja-JP" altLang="en-US" sz="900" dirty="0"/>
+              <a:t>テスト対象システム</a:t>
+            </a:r>
+            <a:r>
+              <a:rPr lang="en-US" altLang="ja-JP" sz="900" dirty="0"/>
+              <a:t>)</a:t>
+            </a:r>
+            <a:endParaRPr kumimoji="1" lang="ja-JP" altLang="en-US" sz="900" dirty="0"/>
+          </a:p>
+        </p:txBody>
+      </p:sp>
+    </p:spTree>
+    <p:extLst>
+      <p:ext uri="{BB962C8B-B14F-4D97-AF65-F5344CB8AC3E}">
+        <p14:creationId xmlns:p14="http://schemas.microsoft.com/office/powerpoint/2010/main" val="102238919"/>
+      </p:ext>
+    </p:extLst>
+  </p:cSld>
+  <p:clrMapOvr>
+    <a:masterClrMapping/>
+  </p:clrMapOvr>
+</p:sld>
+</file>
+
 <file path=ppt/slides/slide2.xml><?xml version="1.0" encoding="utf-8"?>
 <p:sld xmlns:a="http://schemas.openxmlformats.org/drawingml/2006/main" xmlns:r="http://schemas.openxmlformats.org/officeDocument/2006/relationships" xmlns:p="http://schemas.openxmlformats.org/presentationml/2006/main">
   <p:cSld>
@@ -7874,6 +9362,58 @@
           <a:p>
             <a:pPr algn="ctr"/>
             <a:endParaRPr kumimoji="1" lang="ja-JP" altLang="en-US"/>
+          </a:p>
+        </p:txBody>
+      </p:sp>
+      <p:sp>
+        <p:nvSpPr>
+          <p:cNvPr id="4" name="テキスト ボックス 3">
+            <a:extLst>
+              <a:ext uri="{FF2B5EF4-FFF2-40B4-BE49-F238E27FC236}">
+                <a16:creationId xmlns:a16="http://schemas.microsoft.com/office/drawing/2014/main" id="{49504DB0-9876-C3EB-612B-7982EC300FB7}"/>
+              </a:ext>
+            </a:extLst>
+          </p:cNvPr>
+          <p:cNvSpPr txBox="1"/>
+          <p:nvPr/>
+        </p:nvSpPr>
+        <p:spPr>
+          <a:xfrm rot="19164309">
+            <a:off x="3572080" y="4923434"/>
+            <a:ext cx="1338828" cy="369332"/>
+          </a:xfrm>
+          <a:prstGeom prst="rect">
+            <a:avLst/>
+          </a:prstGeom>
+          <a:noFill/>
+        </p:spPr>
+        <p:txBody>
+          <a:bodyPr wrap="none" rtlCol="0">
+            <a:spAutoFit/>
+          </a:bodyPr>
+          <a:lstStyle/>
+          <a:p>
+            <a:r>
+              <a:rPr lang="ja-JP" altLang="en-US" dirty="0">
+                <a:effectLst>
+                  <a:outerShdw blurRad="38100" dist="38100" dir="2700000" algn="tl">
+                    <a:srgbClr val="000000">
+                      <a:alpha val="43137"/>
+                    </a:srgbClr>
+                  </a:outerShdw>
+                </a:effectLst>
+              </a:rPr>
+              <a:t>これは後述</a:t>
+            </a:r>
+            <a:endParaRPr kumimoji="1" lang="ja-JP" altLang="en-US" dirty="0">
+              <a:effectLst>
+                <a:outerShdw blurRad="38100" dist="38100" dir="2700000" algn="tl">
+                  <a:srgbClr val="000000">
+                    <a:alpha val="43137"/>
+                  </a:srgbClr>
+                </a:outerShdw>
+              </a:effectLst>
+            </a:endParaRPr>
           </a:p>
         </p:txBody>
       </p:sp>
